--- a/doc/Task09/PräsiTask9&10.pptx
+++ b/doc/Task09/PräsiTask9&10.pptx
@@ -6,9 +6,8 @@
   </p:sldMasterIdLst>
   <p:sldIdLst>
     <p:sldId id="257" r:id="rId2"/>
-    <p:sldId id="258" r:id="rId3"/>
-    <p:sldId id="259" r:id="rId4"/>
-    <p:sldId id="260" r:id="rId5"/>
+    <p:sldId id="259" r:id="rId3"/>
+    <p:sldId id="260" r:id="rId4"/>
   </p:sldIdLst>
   <p:sldSz cx="9144000" cy="6858000" type="screen4x3"/>
   <p:notesSz cx="6858000" cy="9144000"/>
@@ -291,7 +290,7 @@
           <a:p>
             <a:fld id="{1BA50D42-C9CD-4801-B293-61D1F53EC57E}" type="datetimeFigureOut">
               <a:rPr lang="de-DE" smtClean="0"/>
-              <a:t>22.11.2015</a:t>
+              <a:t>23.11.2015</a:t>
             </a:fld>
             <a:endParaRPr lang="de-DE"/>
           </a:p>
@@ -456,7 +455,7 @@
           <a:p>
             <a:fld id="{1BA50D42-C9CD-4801-B293-61D1F53EC57E}" type="datetimeFigureOut">
               <a:rPr lang="de-DE" smtClean="0"/>
-              <a:t>22.11.2015</a:t>
+              <a:t>23.11.2015</a:t>
             </a:fld>
             <a:endParaRPr lang="de-DE"/>
           </a:p>
@@ -631,7 +630,7 @@
           <a:p>
             <a:fld id="{1BA50D42-C9CD-4801-B293-61D1F53EC57E}" type="datetimeFigureOut">
               <a:rPr lang="de-DE" smtClean="0"/>
-              <a:t>22.11.2015</a:t>
+              <a:t>23.11.2015</a:t>
             </a:fld>
             <a:endParaRPr lang="de-DE"/>
           </a:p>
@@ -796,7 +795,7 @@
           <a:p>
             <a:fld id="{1BA50D42-C9CD-4801-B293-61D1F53EC57E}" type="datetimeFigureOut">
               <a:rPr lang="de-DE" smtClean="0"/>
-              <a:t>22.11.2015</a:t>
+              <a:t>23.11.2015</a:t>
             </a:fld>
             <a:endParaRPr lang="de-DE"/>
           </a:p>
@@ -1037,7 +1036,7 @@
           <a:p>
             <a:fld id="{1BA50D42-C9CD-4801-B293-61D1F53EC57E}" type="datetimeFigureOut">
               <a:rPr lang="de-DE" smtClean="0"/>
-              <a:t>22.11.2015</a:t>
+              <a:t>23.11.2015</a:t>
             </a:fld>
             <a:endParaRPr lang="de-DE"/>
           </a:p>
@@ -1320,7 +1319,7 @@
           <a:p>
             <a:fld id="{1BA50D42-C9CD-4801-B293-61D1F53EC57E}" type="datetimeFigureOut">
               <a:rPr lang="de-DE" smtClean="0"/>
-              <a:t>22.11.2015</a:t>
+              <a:t>23.11.2015</a:t>
             </a:fld>
             <a:endParaRPr lang="de-DE"/>
           </a:p>
@@ -1737,7 +1736,7 @@
           <a:p>
             <a:fld id="{1BA50D42-C9CD-4801-B293-61D1F53EC57E}" type="datetimeFigureOut">
               <a:rPr lang="de-DE" smtClean="0"/>
-              <a:t>22.11.2015</a:t>
+              <a:t>23.11.2015</a:t>
             </a:fld>
             <a:endParaRPr lang="de-DE"/>
           </a:p>
@@ -1850,7 +1849,7 @@
           <a:p>
             <a:fld id="{1BA50D42-C9CD-4801-B293-61D1F53EC57E}" type="datetimeFigureOut">
               <a:rPr lang="de-DE" smtClean="0"/>
-              <a:t>22.11.2015</a:t>
+              <a:t>23.11.2015</a:t>
             </a:fld>
             <a:endParaRPr lang="de-DE"/>
           </a:p>
@@ -1940,7 +1939,7 @@
           <a:p>
             <a:fld id="{1BA50D42-C9CD-4801-B293-61D1F53EC57E}" type="datetimeFigureOut">
               <a:rPr lang="de-DE" smtClean="0"/>
-              <a:t>22.11.2015</a:t>
+              <a:t>23.11.2015</a:t>
             </a:fld>
             <a:endParaRPr lang="de-DE"/>
           </a:p>
@@ -2212,7 +2211,7 @@
           <a:p>
             <a:fld id="{1BA50D42-C9CD-4801-B293-61D1F53EC57E}" type="datetimeFigureOut">
               <a:rPr lang="de-DE" smtClean="0"/>
-              <a:t>22.11.2015</a:t>
+              <a:t>23.11.2015</a:t>
             </a:fld>
             <a:endParaRPr lang="de-DE"/>
           </a:p>
@@ -2460,7 +2459,7 @@
           <a:p>
             <a:fld id="{1BA50D42-C9CD-4801-B293-61D1F53EC57E}" type="datetimeFigureOut">
               <a:rPr lang="de-DE" smtClean="0"/>
-              <a:t>22.11.2015</a:t>
+              <a:t>23.11.2015</a:t>
             </a:fld>
             <a:endParaRPr lang="de-DE"/>
           </a:p>
@@ -2668,7 +2667,7 @@
           <a:p>
             <a:fld id="{1BA50D42-C9CD-4801-B293-61D1F53EC57E}" type="datetimeFigureOut">
               <a:rPr lang="de-DE" smtClean="0"/>
-              <a:t>22.11.2015</a:t>
+              <a:t>23.11.2015</a:t>
             </a:fld>
             <a:endParaRPr lang="de-DE"/>
           </a:p>
@@ -3151,79 +3150,1283 @@
             <p:ph type="title"/>
           </p:nvPr>
         </p:nvSpPr>
-        <p:spPr/>
+        <p:spPr>
+          <a:xfrm>
+            <a:off x="457200" y="274638"/>
+            <a:ext cx="8229600" cy="778098"/>
+          </a:xfrm>
+        </p:spPr>
         <p:txBody>
-          <a:bodyPr/>
+          <a:bodyPr>
+            <a:normAutofit/>
+          </a:bodyPr>
           <a:lstStyle/>
           <a:p>
-            <a:endParaRPr lang="de-CH"/>
+            <a:r>
+              <a:rPr lang="de-CH" sz="2800" dirty="0" smtClean="0"/>
+              <a:t>Project Team &amp; </a:t>
+            </a:r>
+            <a:r>
+              <a:rPr lang="de-CH" sz="2800" dirty="0" err="1" smtClean="0"/>
+              <a:t>Product</a:t>
+            </a:r>
+            <a:r>
+              <a:rPr lang="de-CH" sz="2800" dirty="0" smtClean="0"/>
+              <a:t> </a:t>
+            </a:r>
+            <a:r>
+              <a:rPr lang="de-CH" sz="2800" dirty="0" err="1" smtClean="0"/>
+              <a:t>Backlog</a:t>
+            </a:r>
+            <a:endParaRPr lang="de-CH" sz="2800" dirty="0"/>
           </a:p>
         </p:txBody>
       </p:sp>
-      <p:sp>
-        <p:nvSpPr>
-          <p:cNvPr id="3" name="Inhaltsplatzhalter 2"/>
-          <p:cNvSpPr>
-            <a:spLocks noGrp="1"/>
-          </p:cNvSpPr>
+      <p:graphicFrame>
+        <p:nvGraphicFramePr>
+          <p:cNvPr id="4" name="Inhaltsplatzhalter 3"/>
+          <p:cNvGraphicFramePr>
+            <a:graphicFrameLocks noGrp="1"/>
+          </p:cNvGraphicFramePr>
           <p:nvPr>
             <p:ph idx="1"/>
+            <p:extLst>
+              <p:ext uri="{D42A27DB-BD31-4B8C-83A1-F6EECF244321}">
+                <p14:modId xmlns:p14="http://schemas.microsoft.com/office/powerpoint/2010/main" val="744497115"/>
+              </p:ext>
+            </p:extLst>
           </p:nvPr>
-        </p:nvSpPr>
-        <p:spPr/>
-        <p:txBody>
-          <a:bodyPr/>
-          <a:lstStyle/>
-          <a:p>
-            <a:endParaRPr lang="de-CH"/>
-          </a:p>
-        </p:txBody>
-      </p:sp>
-      <p:pic>
-        <p:nvPicPr>
-          <p:cNvPr id="4" name="Picture 2" descr="C:\Users\Maurice\Desktop\UMLPackage.png"/>
-          <p:cNvPicPr>
-            <a:picLocks noChangeAspect="1" noChangeArrowheads="1"/>
-          </p:cNvPicPr>
-          <p:nvPr/>
-        </p:nvPicPr>
-        <p:blipFill>
-          <a:blip r:embed="rId2">
-            <a:extLst>
-              <a:ext uri="{28A0092B-C50C-407E-A947-70E740481C1C}">
-                <a14:useLocalDpi xmlns:a14="http://schemas.microsoft.com/office/drawing/2010/main" val="0"/>
-              </a:ext>
-            </a:extLst>
-          </a:blip>
-          <a:srcRect/>
-          <a:stretch>
-            <a:fillRect/>
-          </a:stretch>
-        </p:blipFill>
-        <p:spPr bwMode="auto">
-          <a:xfrm>
-            <a:off x="1763688" y="0"/>
-            <a:ext cx="5344493" cy="6921556"/>
-          </a:xfrm>
-          <a:prstGeom prst="rect">
-            <a:avLst/>
-          </a:prstGeom>
-          <a:noFill/>
-          <a:extLst>
-            <a:ext uri="{909E8E84-426E-40DD-AFC4-6F175D3DCCD1}">
-              <a14:hiddenFill xmlns:a14="http://schemas.microsoft.com/office/drawing/2010/main">
-                <a:solidFill>
-                  <a:srgbClr val="FFFFFF"/>
-                </a:solidFill>
-              </a14:hiddenFill>
-            </a:ext>
-          </a:extLst>
-        </p:spPr>
-      </p:pic>
+        </p:nvGraphicFramePr>
+        <p:xfrm>
+          <a:off x="323528" y="1340768"/>
+          <a:ext cx="2260600" cy="1340485"/>
+        </p:xfrm>
+        <a:graphic>
+          <a:graphicData uri="http://schemas.openxmlformats.org/drawingml/2006/table">
+            <a:tbl>
+              <a:tblPr firstRow="1">
+                <a:tableStyleId>{21E4AEA4-8DFA-4A89-87EB-49C32662AFE0}</a:tableStyleId>
+              </a:tblPr>
+              <a:tblGrid>
+                <a:gridCol w="1017746"/>
+                <a:gridCol w="1242854"/>
+              </a:tblGrid>
+              <a:tr h="243205">
+                <a:tc>
+                  <a:txBody>
+                    <a:bodyPr/>
+                    <a:lstStyle/>
+                    <a:p>
+                      <a:pPr algn="l" fontAlgn="b"/>
+                      <a:r>
+                        <a:rPr lang="de-CH" sz="1100" u="none" strike="noStrike" dirty="0">
+                          <a:effectLst/>
+                        </a:rPr>
+                        <a:t>Name</a:t>
+                      </a:r>
+                      <a:endParaRPr lang="de-CH" sz="1100" b="1" i="0" u="none" strike="noStrike" dirty="0">
+                        <a:solidFill>
+                          <a:srgbClr val="FFFFFF"/>
+                        </a:solidFill>
+                        <a:effectLst/>
+                        <a:latin typeface="Calibri"/>
+                      </a:endParaRPr>
+                    </a:p>
+                  </a:txBody>
+                  <a:tcPr marL="0" marR="0" marT="0" marB="0" anchor="b"/>
+                </a:tc>
+                <a:tc>
+                  <a:txBody>
+                    <a:bodyPr/>
+                    <a:lstStyle/>
+                    <a:p>
+                      <a:pPr algn="l" fontAlgn="b"/>
+                      <a:r>
+                        <a:rPr lang="de-CH" sz="1100" u="none" strike="noStrike" dirty="0" err="1">
+                          <a:effectLst/>
+                        </a:rPr>
+                        <a:t>GitHub</a:t>
+                      </a:r>
+                      <a:r>
+                        <a:rPr lang="de-CH" sz="1100" u="none" strike="noStrike" dirty="0">
+                          <a:effectLst/>
+                        </a:rPr>
+                        <a:t> Alias</a:t>
+                      </a:r>
+                      <a:endParaRPr lang="de-CH" sz="1100" b="1" i="0" u="none" strike="noStrike" dirty="0">
+                        <a:solidFill>
+                          <a:srgbClr val="FFFFFF"/>
+                        </a:solidFill>
+                        <a:effectLst/>
+                        <a:latin typeface="Calibri"/>
+                      </a:endParaRPr>
+                    </a:p>
+                  </a:txBody>
+                  <a:tcPr marL="0" marR="0" marT="0" marB="0" anchor="b"/>
+                </a:tc>
+              </a:tr>
+              <a:tr h="190500">
+                <a:tc>
+                  <a:txBody>
+                    <a:bodyPr/>
+                    <a:lstStyle/>
+                    <a:p>
+                      <a:pPr algn="l" fontAlgn="b"/>
+                      <a:r>
+                        <a:rPr lang="de-CH" sz="1100" u="none" strike="noStrike">
+                          <a:effectLst/>
+                        </a:rPr>
+                        <a:t>Mauro Tschanz</a:t>
+                      </a:r>
+                      <a:endParaRPr lang="de-CH" sz="1100" b="0" i="0" u="none" strike="noStrike">
+                        <a:solidFill>
+                          <a:srgbClr val="000000"/>
+                        </a:solidFill>
+                        <a:effectLst/>
+                        <a:latin typeface="Calibri"/>
+                      </a:endParaRPr>
+                    </a:p>
+                  </a:txBody>
+                  <a:tcPr marL="0" marR="0" marT="0" marB="0" anchor="b"/>
+                </a:tc>
+                <a:tc>
+                  <a:txBody>
+                    <a:bodyPr/>
+                    <a:lstStyle/>
+                    <a:p>
+                      <a:pPr algn="l" fontAlgn="b"/>
+                      <a:r>
+                        <a:rPr lang="de-CH" sz="1100" u="none" strike="noStrike">
+                          <a:effectLst/>
+                        </a:rPr>
+                        <a:t>tschm2</a:t>
+                      </a:r>
+                      <a:endParaRPr lang="de-CH" sz="1100" b="0" i="0" u="none" strike="noStrike">
+                        <a:solidFill>
+                          <a:srgbClr val="000000"/>
+                        </a:solidFill>
+                        <a:effectLst/>
+                        <a:latin typeface="Calibri"/>
+                      </a:endParaRPr>
+                    </a:p>
+                  </a:txBody>
+                  <a:tcPr marL="0" marR="0" marT="0" marB="0" anchor="b"/>
+                </a:tc>
+              </a:tr>
+              <a:tr h="190500">
+                <a:tc>
+                  <a:txBody>
+                    <a:bodyPr/>
+                    <a:lstStyle/>
+                    <a:p>
+                      <a:pPr algn="l" fontAlgn="b"/>
+                      <a:r>
+                        <a:rPr lang="de-CH" sz="1100" u="none" strike="noStrike">
+                          <a:effectLst/>
+                        </a:rPr>
+                        <a:t>Maurice Zysset</a:t>
+                      </a:r>
+                      <a:endParaRPr lang="de-CH" sz="1100" b="0" i="0" u="none" strike="noStrike">
+                        <a:solidFill>
+                          <a:srgbClr val="000000"/>
+                        </a:solidFill>
+                        <a:effectLst/>
+                        <a:latin typeface="Calibri"/>
+                      </a:endParaRPr>
+                    </a:p>
+                  </a:txBody>
+                  <a:tcPr marL="0" marR="0" marT="0" marB="0" anchor="b"/>
+                </a:tc>
+                <a:tc>
+                  <a:txBody>
+                    <a:bodyPr/>
+                    <a:lstStyle/>
+                    <a:p>
+                      <a:pPr algn="l" fontAlgn="b"/>
+                      <a:r>
+                        <a:rPr lang="de-CH" sz="1100" u="none" strike="noStrike">
+                          <a:effectLst/>
+                        </a:rPr>
+                        <a:t>zyssm4</a:t>
+                      </a:r>
+                      <a:endParaRPr lang="de-CH" sz="1100" b="0" i="0" u="none" strike="noStrike">
+                        <a:solidFill>
+                          <a:srgbClr val="000000"/>
+                        </a:solidFill>
+                        <a:effectLst/>
+                        <a:latin typeface="Calibri"/>
+                      </a:endParaRPr>
+                    </a:p>
+                  </a:txBody>
+                  <a:tcPr marL="0" marR="0" marT="0" marB="0" anchor="b"/>
+                </a:tc>
+              </a:tr>
+              <a:tr h="190500">
+                <a:tc>
+                  <a:txBody>
+                    <a:bodyPr/>
+                    <a:lstStyle/>
+                    <a:p>
+                      <a:pPr algn="l" fontAlgn="b"/>
+                      <a:r>
+                        <a:rPr lang="de-CH" sz="1100" u="none" strike="noStrike">
+                          <a:effectLst/>
+                        </a:rPr>
+                        <a:t>Kaspar Schmocker</a:t>
+                      </a:r>
+                      <a:endParaRPr lang="de-CH" sz="1100" b="0" i="0" u="none" strike="noStrike">
+                        <a:solidFill>
+                          <a:srgbClr val="000000"/>
+                        </a:solidFill>
+                        <a:effectLst/>
+                        <a:latin typeface="Calibri"/>
+                      </a:endParaRPr>
+                    </a:p>
+                  </a:txBody>
+                  <a:tcPr marL="0" marR="0" marT="0" marB="0" anchor="b"/>
+                </a:tc>
+                <a:tc>
+                  <a:txBody>
+                    <a:bodyPr/>
+                    <a:lstStyle/>
+                    <a:p>
+                      <a:pPr algn="l" fontAlgn="b"/>
+                      <a:r>
+                        <a:rPr lang="de-CH" sz="1100" u="none" strike="noStrike" dirty="0">
+                          <a:effectLst/>
+                        </a:rPr>
+                        <a:t>schmk3</a:t>
+                      </a:r>
+                      <a:endParaRPr lang="de-CH" sz="1100" b="0" i="0" u="none" strike="noStrike" dirty="0">
+                        <a:solidFill>
+                          <a:srgbClr val="000000"/>
+                        </a:solidFill>
+                        <a:effectLst/>
+                        <a:latin typeface="Calibri"/>
+                      </a:endParaRPr>
+                    </a:p>
+                  </a:txBody>
+                  <a:tcPr marL="0" marR="0" marT="0" marB="0" anchor="b"/>
+                </a:tc>
+              </a:tr>
+              <a:tr h="190500">
+                <a:tc>
+                  <a:txBody>
+                    <a:bodyPr/>
+                    <a:lstStyle/>
+                    <a:p>
+                      <a:pPr algn="l" fontAlgn="b"/>
+                      <a:r>
+                        <a:rPr lang="de-CH" sz="1100" u="none" strike="noStrike">
+                          <a:effectLst/>
+                        </a:rPr>
+                        <a:t>Rea Iseli</a:t>
+                      </a:r>
+                      <a:endParaRPr lang="de-CH" sz="1100" b="0" i="0" u="none" strike="noStrike">
+                        <a:solidFill>
+                          <a:srgbClr val="000000"/>
+                        </a:solidFill>
+                        <a:effectLst/>
+                        <a:latin typeface="Calibri"/>
+                      </a:endParaRPr>
+                    </a:p>
+                  </a:txBody>
+                  <a:tcPr marL="0" marR="0" marT="0" marB="0" anchor="b"/>
+                </a:tc>
+                <a:tc>
+                  <a:txBody>
+                    <a:bodyPr/>
+                    <a:lstStyle/>
+                    <a:p>
+                      <a:pPr algn="l" fontAlgn="b"/>
+                      <a:r>
+                        <a:rPr lang="de-CH" sz="1100" u="none" strike="noStrike">
+                          <a:effectLst/>
+                        </a:rPr>
+                        <a:t>iselr1</a:t>
+                      </a:r>
+                      <a:endParaRPr lang="de-CH" sz="1100" b="0" i="0" u="none" strike="noStrike">
+                        <a:solidFill>
+                          <a:srgbClr val="000000"/>
+                        </a:solidFill>
+                        <a:effectLst/>
+                        <a:latin typeface="Calibri"/>
+                      </a:endParaRPr>
+                    </a:p>
+                  </a:txBody>
+                  <a:tcPr marL="0" marR="0" marT="0" marB="0" anchor="b"/>
+                </a:tc>
+              </a:tr>
+              <a:tr h="190500">
+                <a:tc>
+                  <a:txBody>
+                    <a:bodyPr/>
+                    <a:lstStyle/>
+                    <a:p>
+                      <a:pPr algn="l" fontAlgn="b"/>
+                      <a:r>
+                        <a:rPr lang="de-CH" sz="1100" u="none" strike="noStrike">
+                          <a:effectLst/>
+                        </a:rPr>
+                        <a:t>Philippe Noser</a:t>
+                      </a:r>
+                      <a:endParaRPr lang="de-CH" sz="1100" b="0" i="0" u="none" strike="noStrike">
+                        <a:solidFill>
+                          <a:srgbClr val="000000"/>
+                        </a:solidFill>
+                        <a:effectLst/>
+                        <a:latin typeface="Calibri"/>
+                      </a:endParaRPr>
+                    </a:p>
+                  </a:txBody>
+                  <a:tcPr marL="0" marR="0" marT="0" marB="0" anchor="b"/>
+                </a:tc>
+                <a:tc>
+                  <a:txBody>
+                    <a:bodyPr/>
+                    <a:lstStyle/>
+                    <a:p>
+                      <a:pPr algn="l" fontAlgn="b"/>
+                      <a:r>
+                        <a:rPr lang="de-CH" sz="1100" u="none" strike="noStrike" dirty="0">
+                          <a:effectLst/>
+                        </a:rPr>
+                        <a:t>nosep2</a:t>
+                      </a:r>
+                      <a:endParaRPr lang="de-CH" sz="1100" b="0" i="0" u="none" strike="noStrike" dirty="0">
+                        <a:solidFill>
+                          <a:srgbClr val="000000"/>
+                        </a:solidFill>
+                        <a:effectLst/>
+                        <a:latin typeface="Calibri"/>
+                      </a:endParaRPr>
+                    </a:p>
+                  </a:txBody>
+                  <a:tcPr marL="0" marR="0" marT="0" marB="0" anchor="b"/>
+                </a:tc>
+              </a:tr>
+            </a:tbl>
+          </a:graphicData>
+        </a:graphic>
+      </p:graphicFrame>
+      <p:graphicFrame>
+        <p:nvGraphicFramePr>
+          <p:cNvPr id="5" name="Tabelle 4"/>
+          <p:cNvGraphicFramePr>
+            <a:graphicFrameLocks noGrp="1"/>
+          </p:cNvGraphicFramePr>
+          <p:nvPr>
+            <p:extLst>
+              <p:ext uri="{D42A27DB-BD31-4B8C-83A1-F6EECF244321}">
+                <p14:modId xmlns:p14="http://schemas.microsoft.com/office/powerpoint/2010/main" val="353987918"/>
+              </p:ext>
+            </p:extLst>
+          </p:nvPr>
+        </p:nvGraphicFramePr>
+        <p:xfrm>
+          <a:off x="323528" y="2852936"/>
+          <a:ext cx="8208912" cy="1870364"/>
+        </p:xfrm>
+        <a:graphic>
+          <a:graphicData uri="http://schemas.openxmlformats.org/drawingml/2006/table">
+            <a:tbl>
+              <a:tblPr firstRow="1">
+                <a:tableStyleId>{21E4AEA4-8DFA-4A89-87EB-49C32662AFE0}</a:tableStyleId>
+              </a:tblPr>
+              <a:tblGrid>
+                <a:gridCol w="249193"/>
+                <a:gridCol w="1485814"/>
+                <a:gridCol w="2604067"/>
+                <a:gridCol w="647902"/>
+                <a:gridCol w="772498"/>
+                <a:gridCol w="859716"/>
+                <a:gridCol w="663476"/>
+                <a:gridCol w="926246"/>
+              </a:tblGrid>
+              <a:tr h="374073">
+                <a:tc>
+                  <a:txBody>
+                    <a:bodyPr/>
+                    <a:lstStyle/>
+                    <a:p>
+                      <a:pPr algn="l" fontAlgn="b"/>
+                      <a:r>
+                        <a:rPr lang="de-CH" sz="1100" u="none" strike="noStrike" dirty="0">
+                          <a:effectLst/>
+                        </a:rPr>
+                        <a:t>ID</a:t>
+                      </a:r>
+                      <a:endParaRPr lang="de-CH" sz="1100" b="1" i="0" u="none" strike="noStrike" dirty="0">
+                        <a:solidFill>
+                          <a:srgbClr val="FFFFFF"/>
+                        </a:solidFill>
+                        <a:effectLst/>
+                        <a:latin typeface="Calibri"/>
+                      </a:endParaRPr>
+                    </a:p>
+                  </a:txBody>
+                  <a:tcPr marL="0" marR="0" marT="0" marB="0" anchor="b"/>
+                </a:tc>
+                <a:tc>
+                  <a:txBody>
+                    <a:bodyPr/>
+                    <a:lstStyle/>
+                    <a:p>
+                      <a:pPr algn="l" fontAlgn="b"/>
+                      <a:r>
+                        <a:rPr lang="de-CH" sz="1100" u="none" strike="noStrike" dirty="0">
+                          <a:effectLst/>
+                        </a:rPr>
+                        <a:t>Story Name</a:t>
+                      </a:r>
+                      <a:endParaRPr lang="de-CH" sz="1100" b="1" i="0" u="none" strike="noStrike" dirty="0">
+                        <a:solidFill>
+                          <a:srgbClr val="FFFFFF"/>
+                        </a:solidFill>
+                        <a:effectLst/>
+                        <a:latin typeface="Calibri"/>
+                      </a:endParaRPr>
+                    </a:p>
+                  </a:txBody>
+                  <a:tcPr marL="0" marR="0" marT="0" marB="0" anchor="b"/>
+                </a:tc>
+                <a:tc>
+                  <a:txBody>
+                    <a:bodyPr/>
+                    <a:lstStyle/>
+                    <a:p>
+                      <a:pPr algn="l" fontAlgn="b"/>
+                      <a:r>
+                        <a:rPr lang="de-CH" sz="1100" u="none" strike="noStrike" dirty="0">
+                          <a:effectLst/>
+                        </a:rPr>
+                        <a:t>Description</a:t>
+                      </a:r>
+                      <a:endParaRPr lang="de-CH" sz="1100" b="1" i="0" u="none" strike="noStrike" dirty="0">
+                        <a:solidFill>
+                          <a:srgbClr val="FFFFFF"/>
+                        </a:solidFill>
+                        <a:effectLst/>
+                        <a:latin typeface="Calibri"/>
+                      </a:endParaRPr>
+                    </a:p>
+                  </a:txBody>
+                  <a:tcPr marL="0" marR="0" marT="0" marB="0" anchor="b"/>
+                </a:tc>
+                <a:tc>
+                  <a:txBody>
+                    <a:bodyPr/>
+                    <a:lstStyle/>
+                    <a:p>
+                      <a:pPr algn="l" fontAlgn="b"/>
+                      <a:r>
+                        <a:rPr lang="de-CH" sz="1100" u="none" strike="noStrike">
+                          <a:effectLst/>
+                        </a:rPr>
+                        <a:t>Priority </a:t>
+                      </a:r>
+                      <a:endParaRPr lang="de-CH" sz="1100" b="1" i="0" u="none" strike="noStrike">
+                        <a:solidFill>
+                          <a:srgbClr val="FFFFFF"/>
+                        </a:solidFill>
+                        <a:effectLst/>
+                        <a:latin typeface="Calibri"/>
+                      </a:endParaRPr>
+                    </a:p>
+                  </a:txBody>
+                  <a:tcPr marL="0" marR="0" marT="0" marB="0" anchor="b"/>
+                </a:tc>
+                <a:tc>
+                  <a:txBody>
+                    <a:bodyPr/>
+                    <a:lstStyle/>
+                    <a:p>
+                      <a:pPr algn="l" fontAlgn="b"/>
+                      <a:r>
+                        <a:rPr lang="de-CH" sz="1100" u="none" strike="noStrike">
+                          <a:effectLst/>
+                        </a:rPr>
+                        <a:t>Effort Plan Original</a:t>
+                      </a:r>
+                      <a:endParaRPr lang="de-CH" sz="1100" b="1" i="0" u="none" strike="noStrike">
+                        <a:solidFill>
+                          <a:srgbClr val="FFFFFF"/>
+                        </a:solidFill>
+                        <a:effectLst/>
+                        <a:latin typeface="Calibri"/>
+                      </a:endParaRPr>
+                    </a:p>
+                  </a:txBody>
+                  <a:tcPr marL="0" marR="0" marT="0" marB="0" anchor="b"/>
+                </a:tc>
+                <a:tc>
+                  <a:txBody>
+                    <a:bodyPr/>
+                    <a:lstStyle/>
+                    <a:p>
+                      <a:pPr algn="l" fontAlgn="b"/>
+                      <a:r>
+                        <a:rPr lang="de-CH" sz="1100" u="none" strike="noStrike">
+                          <a:effectLst/>
+                        </a:rPr>
+                        <a:t>Effort Plan Updated</a:t>
+                      </a:r>
+                      <a:endParaRPr lang="de-CH" sz="1100" b="1" i="0" u="none" strike="noStrike">
+                        <a:solidFill>
+                          <a:srgbClr val="FFFFFF"/>
+                        </a:solidFill>
+                        <a:effectLst/>
+                        <a:latin typeface="Calibri"/>
+                      </a:endParaRPr>
+                    </a:p>
+                  </a:txBody>
+                  <a:tcPr marL="0" marR="0" marT="0" marB="0" anchor="b"/>
+                </a:tc>
+                <a:tc>
+                  <a:txBody>
+                    <a:bodyPr/>
+                    <a:lstStyle/>
+                    <a:p>
+                      <a:pPr algn="l" fontAlgn="b"/>
+                      <a:r>
+                        <a:rPr lang="de-CH" sz="1100" u="none" strike="noStrike">
+                          <a:effectLst/>
+                        </a:rPr>
+                        <a:t>Effort Actual</a:t>
+                      </a:r>
+                      <a:endParaRPr lang="de-CH" sz="1100" b="1" i="0" u="none" strike="noStrike">
+                        <a:solidFill>
+                          <a:srgbClr val="FFFFFF"/>
+                        </a:solidFill>
+                        <a:effectLst/>
+                        <a:latin typeface="Calibri"/>
+                      </a:endParaRPr>
+                    </a:p>
+                  </a:txBody>
+                  <a:tcPr marL="0" marR="0" marT="0" marB="0" anchor="b"/>
+                </a:tc>
+                <a:tc>
+                  <a:txBody>
+                    <a:bodyPr/>
+                    <a:lstStyle/>
+                    <a:p>
+                      <a:pPr algn="l" fontAlgn="b"/>
+                      <a:r>
+                        <a:rPr lang="de-CH" sz="1100" u="none" strike="noStrike" dirty="0">
+                          <a:effectLst/>
+                        </a:rPr>
+                        <a:t>Status</a:t>
+                      </a:r>
+                      <a:endParaRPr lang="de-CH" sz="1100" b="1" i="0" u="none" strike="noStrike" dirty="0">
+                        <a:solidFill>
+                          <a:srgbClr val="FFFFFF"/>
+                        </a:solidFill>
+                        <a:effectLst/>
+                        <a:latin typeface="Calibri"/>
+                      </a:endParaRPr>
+                    </a:p>
+                  </a:txBody>
+                  <a:tcPr marL="0" marR="0" marT="0" marB="0" anchor="b"/>
+                </a:tc>
+              </a:tr>
+              <a:tr h="374073">
+                <a:tc>
+                  <a:txBody>
+                    <a:bodyPr/>
+                    <a:lstStyle/>
+                    <a:p>
+                      <a:pPr algn="r" fontAlgn="b"/>
+                      <a:r>
+                        <a:rPr lang="de-CH" sz="1100" u="none" strike="noStrike">
+                          <a:effectLst/>
+                        </a:rPr>
+                        <a:t>1</a:t>
+                      </a:r>
+                      <a:endParaRPr lang="de-CH" sz="1100" b="0" i="0" u="none" strike="noStrike">
+                        <a:solidFill>
+                          <a:srgbClr val="000000"/>
+                        </a:solidFill>
+                        <a:effectLst/>
+                        <a:latin typeface="Calibri"/>
+                      </a:endParaRPr>
+                    </a:p>
+                  </a:txBody>
+                  <a:tcPr marL="0" marR="0" marT="0" marB="0" anchor="b"/>
+                </a:tc>
+                <a:tc>
+                  <a:txBody>
+                    <a:bodyPr/>
+                    <a:lstStyle/>
+                    <a:p>
+                      <a:pPr algn="l" fontAlgn="b"/>
+                      <a:r>
+                        <a:rPr lang="de-CH" sz="1100" u="none" strike="noStrike">
+                          <a:effectLst/>
+                        </a:rPr>
+                        <a:t>Create Infopage</a:t>
+                      </a:r>
+                      <a:endParaRPr lang="de-CH" sz="1100" b="0" i="0" u="none" strike="noStrike">
+                        <a:solidFill>
+                          <a:srgbClr val="000000"/>
+                        </a:solidFill>
+                        <a:effectLst/>
+                        <a:latin typeface="Calibri"/>
+                      </a:endParaRPr>
+                    </a:p>
+                  </a:txBody>
+                  <a:tcPr marL="0" marR="0" marT="0" marB="0" anchor="b"/>
+                </a:tc>
+                <a:tc>
+                  <a:txBody>
+                    <a:bodyPr/>
+                    <a:lstStyle/>
+                    <a:p>
+                      <a:pPr algn="l" fontAlgn="t"/>
+                      <a:r>
+                        <a:rPr lang="en-US" sz="1100" u="none" strike="noStrike">
+                          <a:effectLst/>
+                        </a:rPr>
+                        <a:t>The User enters all relevant Data about himself and his disease</a:t>
+                      </a:r>
+                      <a:endParaRPr lang="en-US" sz="1100" b="0" i="0" u="none" strike="noStrike">
+                        <a:solidFill>
+                          <a:srgbClr val="000000"/>
+                        </a:solidFill>
+                        <a:effectLst/>
+                        <a:latin typeface="Calibri"/>
+                      </a:endParaRPr>
+                    </a:p>
+                  </a:txBody>
+                  <a:tcPr marL="0" marR="0" marT="0" marB="0"/>
+                </a:tc>
+                <a:tc>
+                  <a:txBody>
+                    <a:bodyPr/>
+                    <a:lstStyle/>
+                    <a:p>
+                      <a:pPr algn="l" fontAlgn="b"/>
+                      <a:r>
+                        <a:rPr lang="de-CH" sz="1100" u="none" strike="noStrike">
+                          <a:effectLst/>
+                        </a:rPr>
+                        <a:t>high</a:t>
+                      </a:r>
+                      <a:endParaRPr lang="de-CH" sz="1100" b="0" i="0" u="none" strike="noStrike">
+                        <a:solidFill>
+                          <a:srgbClr val="000000"/>
+                        </a:solidFill>
+                        <a:effectLst/>
+                        <a:latin typeface="Calibri"/>
+                      </a:endParaRPr>
+                    </a:p>
+                  </a:txBody>
+                  <a:tcPr marL="0" marR="0" marT="0" marB="0" anchor="b"/>
+                </a:tc>
+                <a:tc>
+                  <a:txBody>
+                    <a:bodyPr/>
+                    <a:lstStyle/>
+                    <a:p>
+                      <a:pPr algn="r" fontAlgn="b"/>
+                      <a:r>
+                        <a:rPr lang="de-CH" sz="1100" u="none" strike="noStrike">
+                          <a:effectLst/>
+                        </a:rPr>
+                        <a:t>20</a:t>
+                      </a:r>
+                      <a:endParaRPr lang="de-CH" sz="1100" b="0" i="0" u="none" strike="noStrike">
+                        <a:solidFill>
+                          <a:srgbClr val="000000"/>
+                        </a:solidFill>
+                        <a:effectLst/>
+                        <a:latin typeface="Calibri"/>
+                      </a:endParaRPr>
+                    </a:p>
+                  </a:txBody>
+                  <a:tcPr marL="0" marR="0" marT="0" marB="0" anchor="b"/>
+                </a:tc>
+                <a:tc>
+                  <a:txBody>
+                    <a:bodyPr/>
+                    <a:lstStyle/>
+                    <a:p>
+                      <a:pPr algn="l" fontAlgn="b"/>
+                      <a:endParaRPr lang="de-CH" sz="1100" b="0" i="0" u="none" strike="noStrike">
+                        <a:solidFill>
+                          <a:srgbClr val="000000"/>
+                        </a:solidFill>
+                        <a:effectLst/>
+                        <a:latin typeface="Calibri"/>
+                      </a:endParaRPr>
+                    </a:p>
+                  </a:txBody>
+                  <a:tcPr marL="0" marR="0" marT="0" marB="0" anchor="b"/>
+                </a:tc>
+                <a:tc>
+                  <a:txBody>
+                    <a:bodyPr/>
+                    <a:lstStyle/>
+                    <a:p>
+                      <a:pPr algn="l" fontAlgn="b"/>
+                      <a:r>
+                        <a:rPr lang="de-CH" sz="1100" u="none" strike="noStrike">
+                          <a:effectLst/>
+                        </a:rPr>
+                        <a:t>0h</a:t>
+                      </a:r>
+                      <a:endParaRPr lang="de-CH" sz="1100" b="0" i="0" u="none" strike="noStrike">
+                        <a:solidFill>
+                          <a:srgbClr val="000000"/>
+                        </a:solidFill>
+                        <a:effectLst/>
+                        <a:latin typeface="Calibri"/>
+                      </a:endParaRPr>
+                    </a:p>
+                  </a:txBody>
+                  <a:tcPr marL="0" marR="0" marT="0" marB="0" anchor="b"/>
+                </a:tc>
+                <a:tc>
+                  <a:txBody>
+                    <a:bodyPr/>
+                    <a:lstStyle/>
+                    <a:p>
+                      <a:pPr algn="l" fontAlgn="b"/>
+                      <a:r>
+                        <a:rPr lang="de-CH" sz="1100" u="none" strike="noStrike">
+                          <a:effectLst/>
+                        </a:rPr>
+                        <a:t>waiting</a:t>
+                      </a:r>
+                      <a:endParaRPr lang="de-CH" sz="1100" b="0" i="0" u="none" strike="noStrike">
+                        <a:solidFill>
+                          <a:srgbClr val="000000"/>
+                        </a:solidFill>
+                        <a:effectLst/>
+                        <a:latin typeface="Calibri"/>
+                      </a:endParaRPr>
+                    </a:p>
+                  </a:txBody>
+                  <a:tcPr marL="0" marR="0" marT="0" marB="0" anchor="b"/>
+                </a:tc>
+              </a:tr>
+              <a:tr h="374073">
+                <a:tc>
+                  <a:txBody>
+                    <a:bodyPr/>
+                    <a:lstStyle/>
+                    <a:p>
+                      <a:pPr algn="r" fontAlgn="b"/>
+                      <a:r>
+                        <a:rPr lang="de-CH" sz="1100" u="none" strike="noStrike">
+                          <a:effectLst/>
+                        </a:rPr>
+                        <a:t>2</a:t>
+                      </a:r>
+                      <a:endParaRPr lang="de-CH" sz="1100" b="0" i="0" u="none" strike="noStrike">
+                        <a:solidFill>
+                          <a:srgbClr val="000000"/>
+                        </a:solidFill>
+                        <a:effectLst/>
+                        <a:latin typeface="Calibri"/>
+                      </a:endParaRPr>
+                    </a:p>
+                  </a:txBody>
+                  <a:tcPr marL="0" marR="0" marT="0" marB="0" anchor="b"/>
+                </a:tc>
+                <a:tc>
+                  <a:txBody>
+                    <a:bodyPr/>
+                    <a:lstStyle/>
+                    <a:p>
+                      <a:pPr algn="l" fontAlgn="b"/>
+                      <a:r>
+                        <a:rPr lang="de-CH" sz="1100" u="none" strike="noStrike">
+                          <a:effectLst/>
+                        </a:rPr>
+                        <a:t>new Appointment</a:t>
+                      </a:r>
+                      <a:endParaRPr lang="de-CH" sz="1100" b="0" i="0" u="none" strike="noStrike">
+                        <a:solidFill>
+                          <a:srgbClr val="000000"/>
+                        </a:solidFill>
+                        <a:effectLst/>
+                        <a:latin typeface="Calibri"/>
+                      </a:endParaRPr>
+                    </a:p>
+                  </a:txBody>
+                  <a:tcPr marL="0" marR="0" marT="0" marB="0" anchor="b"/>
+                </a:tc>
+                <a:tc>
+                  <a:txBody>
+                    <a:bodyPr/>
+                    <a:lstStyle/>
+                    <a:p>
+                      <a:pPr algn="l" fontAlgn="b"/>
+                      <a:r>
+                        <a:rPr lang="en-US" sz="1100" u="none" strike="noStrike">
+                          <a:effectLst/>
+                        </a:rPr>
+                        <a:t>The User makes a new Appointment with the doctor</a:t>
+                      </a:r>
+                      <a:endParaRPr lang="en-US" sz="1100" b="0" i="0" u="none" strike="noStrike">
+                        <a:solidFill>
+                          <a:srgbClr val="000000"/>
+                        </a:solidFill>
+                        <a:effectLst/>
+                        <a:latin typeface="Calibri"/>
+                      </a:endParaRPr>
+                    </a:p>
+                  </a:txBody>
+                  <a:tcPr marL="0" marR="0" marT="0" marB="0" anchor="b"/>
+                </a:tc>
+                <a:tc>
+                  <a:txBody>
+                    <a:bodyPr/>
+                    <a:lstStyle/>
+                    <a:p>
+                      <a:pPr algn="l" fontAlgn="b"/>
+                      <a:r>
+                        <a:rPr lang="de-CH" sz="1100" u="none" strike="noStrike">
+                          <a:effectLst/>
+                        </a:rPr>
+                        <a:t>high</a:t>
+                      </a:r>
+                      <a:endParaRPr lang="de-CH" sz="1100" b="0" i="0" u="none" strike="noStrike">
+                        <a:solidFill>
+                          <a:srgbClr val="000000"/>
+                        </a:solidFill>
+                        <a:effectLst/>
+                        <a:latin typeface="Calibri"/>
+                      </a:endParaRPr>
+                    </a:p>
+                  </a:txBody>
+                  <a:tcPr marL="0" marR="0" marT="0" marB="0" anchor="b"/>
+                </a:tc>
+                <a:tc>
+                  <a:txBody>
+                    <a:bodyPr/>
+                    <a:lstStyle/>
+                    <a:p>
+                      <a:pPr algn="r" fontAlgn="t"/>
+                      <a:r>
+                        <a:rPr lang="de-CH" sz="1100" u="none" strike="noStrike">
+                          <a:effectLst/>
+                        </a:rPr>
+                        <a:t>70</a:t>
+                      </a:r>
+                      <a:endParaRPr lang="de-CH" sz="1100" b="0" i="0" u="none" strike="noStrike">
+                        <a:solidFill>
+                          <a:srgbClr val="000000"/>
+                        </a:solidFill>
+                        <a:effectLst/>
+                        <a:latin typeface="Calibri"/>
+                      </a:endParaRPr>
+                    </a:p>
+                  </a:txBody>
+                  <a:tcPr marL="0" marR="0" marT="0" marB="0"/>
+                </a:tc>
+                <a:tc>
+                  <a:txBody>
+                    <a:bodyPr/>
+                    <a:lstStyle/>
+                    <a:p>
+                      <a:pPr algn="l" fontAlgn="t"/>
+                      <a:endParaRPr lang="de-CH" sz="1100" b="0" i="0" u="none" strike="noStrike">
+                        <a:solidFill>
+                          <a:srgbClr val="000000"/>
+                        </a:solidFill>
+                        <a:effectLst/>
+                        <a:latin typeface="Calibri"/>
+                      </a:endParaRPr>
+                    </a:p>
+                  </a:txBody>
+                  <a:tcPr marL="0" marR="0" marT="0" marB="0"/>
+                </a:tc>
+                <a:tc>
+                  <a:txBody>
+                    <a:bodyPr/>
+                    <a:lstStyle/>
+                    <a:p>
+                      <a:pPr algn="l" fontAlgn="t"/>
+                      <a:r>
+                        <a:rPr lang="de-CH" sz="1100" u="none" strike="noStrike">
+                          <a:effectLst/>
+                        </a:rPr>
+                        <a:t>0h</a:t>
+                      </a:r>
+                      <a:endParaRPr lang="de-CH" sz="1100" b="0" i="0" u="none" strike="noStrike">
+                        <a:solidFill>
+                          <a:srgbClr val="000000"/>
+                        </a:solidFill>
+                        <a:effectLst/>
+                        <a:latin typeface="Calibri"/>
+                      </a:endParaRPr>
+                    </a:p>
+                  </a:txBody>
+                  <a:tcPr marL="0" marR="0" marT="0" marB="0"/>
+                </a:tc>
+                <a:tc>
+                  <a:txBody>
+                    <a:bodyPr/>
+                    <a:lstStyle/>
+                    <a:p>
+                      <a:pPr algn="l" fontAlgn="t"/>
+                      <a:r>
+                        <a:rPr lang="de-CH" sz="1100" u="none" strike="noStrike">
+                          <a:effectLst/>
+                        </a:rPr>
+                        <a:t>waiting</a:t>
+                      </a:r>
+                      <a:endParaRPr lang="de-CH" sz="1100" b="0" i="0" u="none" strike="noStrike">
+                        <a:solidFill>
+                          <a:srgbClr val="000000"/>
+                        </a:solidFill>
+                        <a:effectLst/>
+                        <a:latin typeface="Calibri"/>
+                      </a:endParaRPr>
+                    </a:p>
+                  </a:txBody>
+                  <a:tcPr marL="0" marR="0" marT="0" marB="0"/>
+                </a:tc>
+              </a:tr>
+              <a:tr h="561109">
+                <a:tc>
+                  <a:txBody>
+                    <a:bodyPr/>
+                    <a:lstStyle/>
+                    <a:p>
+                      <a:pPr algn="r" fontAlgn="b"/>
+                      <a:r>
+                        <a:rPr lang="de-CH" sz="1100" u="none" strike="noStrike">
+                          <a:effectLst/>
+                        </a:rPr>
+                        <a:t>3</a:t>
+                      </a:r>
+                      <a:endParaRPr lang="de-CH" sz="1100" b="0" i="0" u="none" strike="noStrike">
+                        <a:solidFill>
+                          <a:srgbClr val="000000"/>
+                        </a:solidFill>
+                        <a:effectLst/>
+                        <a:latin typeface="Calibri"/>
+                      </a:endParaRPr>
+                    </a:p>
+                  </a:txBody>
+                  <a:tcPr marL="0" marR="0" marT="0" marB="0" anchor="b"/>
+                </a:tc>
+                <a:tc>
+                  <a:txBody>
+                    <a:bodyPr/>
+                    <a:lstStyle/>
+                    <a:p>
+                      <a:pPr algn="l" fontAlgn="b"/>
+                      <a:r>
+                        <a:rPr lang="de-CH" sz="1100" u="none" strike="noStrike">
+                          <a:effectLst/>
+                        </a:rPr>
+                        <a:t>Enter a new drug</a:t>
+                      </a:r>
+                      <a:endParaRPr lang="de-CH" sz="1100" b="0" i="0" u="none" strike="noStrike">
+                        <a:solidFill>
+                          <a:srgbClr val="000000"/>
+                        </a:solidFill>
+                        <a:effectLst/>
+                        <a:latin typeface="Calibri"/>
+                      </a:endParaRPr>
+                    </a:p>
+                  </a:txBody>
+                  <a:tcPr marL="0" marR="0" marT="0" marB="0" anchor="b"/>
+                </a:tc>
+                <a:tc>
+                  <a:txBody>
+                    <a:bodyPr/>
+                    <a:lstStyle/>
+                    <a:p>
+                      <a:pPr algn="l" fontAlgn="b"/>
+                      <a:r>
+                        <a:rPr lang="en-US" sz="1100" u="none" strike="noStrike">
+                          <a:effectLst/>
+                        </a:rPr>
+                        <a:t>The user can enter the name and dosage he has to take, afterwards he has a overview of all drugs he has to take a day</a:t>
+                      </a:r>
+                      <a:endParaRPr lang="en-US" sz="1100" b="0" i="0" u="none" strike="noStrike">
+                        <a:solidFill>
+                          <a:srgbClr val="000000"/>
+                        </a:solidFill>
+                        <a:effectLst/>
+                        <a:latin typeface="Calibri"/>
+                      </a:endParaRPr>
+                    </a:p>
+                  </a:txBody>
+                  <a:tcPr marL="0" marR="0" marT="0" marB="0" anchor="b"/>
+                </a:tc>
+                <a:tc>
+                  <a:txBody>
+                    <a:bodyPr/>
+                    <a:lstStyle/>
+                    <a:p>
+                      <a:pPr algn="l" fontAlgn="b"/>
+                      <a:r>
+                        <a:rPr lang="de-CH" sz="1100" u="none" strike="noStrike">
+                          <a:effectLst/>
+                        </a:rPr>
+                        <a:t>medium</a:t>
+                      </a:r>
+                      <a:endParaRPr lang="de-CH" sz="1100" b="0" i="0" u="none" strike="noStrike">
+                        <a:solidFill>
+                          <a:srgbClr val="000000"/>
+                        </a:solidFill>
+                        <a:effectLst/>
+                        <a:latin typeface="Calibri"/>
+                      </a:endParaRPr>
+                    </a:p>
+                  </a:txBody>
+                  <a:tcPr marL="0" marR="0" marT="0" marB="0" anchor="b"/>
+                </a:tc>
+                <a:tc>
+                  <a:txBody>
+                    <a:bodyPr/>
+                    <a:lstStyle/>
+                    <a:p>
+                      <a:pPr algn="r" fontAlgn="b"/>
+                      <a:r>
+                        <a:rPr lang="de-CH" sz="1100" u="none" strike="noStrike">
+                          <a:effectLst/>
+                        </a:rPr>
+                        <a:t>50</a:t>
+                      </a:r>
+                      <a:endParaRPr lang="de-CH" sz="1100" b="0" i="0" u="none" strike="noStrike">
+                        <a:solidFill>
+                          <a:srgbClr val="000000"/>
+                        </a:solidFill>
+                        <a:effectLst/>
+                        <a:latin typeface="Calibri"/>
+                      </a:endParaRPr>
+                    </a:p>
+                  </a:txBody>
+                  <a:tcPr marL="0" marR="0" marT="0" marB="0" anchor="b"/>
+                </a:tc>
+                <a:tc>
+                  <a:txBody>
+                    <a:bodyPr/>
+                    <a:lstStyle/>
+                    <a:p>
+                      <a:pPr algn="l" fontAlgn="b"/>
+                      <a:endParaRPr lang="de-CH" sz="1100" b="0" i="0" u="none" strike="noStrike">
+                        <a:solidFill>
+                          <a:srgbClr val="000000"/>
+                        </a:solidFill>
+                        <a:effectLst/>
+                        <a:latin typeface="Calibri"/>
+                      </a:endParaRPr>
+                    </a:p>
+                  </a:txBody>
+                  <a:tcPr marL="0" marR="0" marT="0" marB="0" anchor="b"/>
+                </a:tc>
+                <a:tc>
+                  <a:txBody>
+                    <a:bodyPr/>
+                    <a:lstStyle/>
+                    <a:p>
+                      <a:pPr algn="l" fontAlgn="b"/>
+                      <a:r>
+                        <a:rPr lang="de-CH" sz="1100" u="none" strike="noStrike">
+                          <a:effectLst/>
+                        </a:rPr>
+                        <a:t>0h</a:t>
+                      </a:r>
+                      <a:endParaRPr lang="de-CH" sz="1100" b="0" i="0" u="none" strike="noStrike">
+                        <a:solidFill>
+                          <a:srgbClr val="000000"/>
+                        </a:solidFill>
+                        <a:effectLst/>
+                        <a:latin typeface="Calibri"/>
+                      </a:endParaRPr>
+                    </a:p>
+                  </a:txBody>
+                  <a:tcPr marL="0" marR="0" marT="0" marB="0" anchor="b"/>
+                </a:tc>
+                <a:tc>
+                  <a:txBody>
+                    <a:bodyPr/>
+                    <a:lstStyle/>
+                    <a:p>
+                      <a:pPr algn="l" fontAlgn="b"/>
+                      <a:r>
+                        <a:rPr lang="de-CH" sz="1100" u="none" strike="noStrike">
+                          <a:effectLst/>
+                        </a:rPr>
+                        <a:t>waiting</a:t>
+                      </a:r>
+                      <a:endParaRPr lang="de-CH" sz="1100" b="0" i="0" u="none" strike="noStrike">
+                        <a:solidFill>
+                          <a:srgbClr val="000000"/>
+                        </a:solidFill>
+                        <a:effectLst/>
+                        <a:latin typeface="Calibri"/>
+                      </a:endParaRPr>
+                    </a:p>
+                  </a:txBody>
+                  <a:tcPr marL="0" marR="0" marT="0" marB="0" anchor="b"/>
+                </a:tc>
+              </a:tr>
+              <a:tr h="187036">
+                <a:tc>
+                  <a:txBody>
+                    <a:bodyPr/>
+                    <a:lstStyle/>
+                    <a:p>
+                      <a:pPr algn="l" fontAlgn="b"/>
+                      <a:endParaRPr lang="de-CH" sz="1100" b="0" i="0" u="none" strike="noStrike">
+                        <a:solidFill>
+                          <a:srgbClr val="000000"/>
+                        </a:solidFill>
+                        <a:effectLst/>
+                        <a:latin typeface="Calibri"/>
+                      </a:endParaRPr>
+                    </a:p>
+                  </a:txBody>
+                  <a:tcPr marL="0" marR="0" marT="0" marB="0" anchor="b"/>
+                </a:tc>
+                <a:tc>
+                  <a:txBody>
+                    <a:bodyPr/>
+                    <a:lstStyle/>
+                    <a:p>
+                      <a:pPr algn="l" fontAlgn="b"/>
+                      <a:endParaRPr lang="de-CH" sz="1100" b="0" i="0" u="none" strike="noStrike">
+                        <a:solidFill>
+                          <a:srgbClr val="000000"/>
+                        </a:solidFill>
+                        <a:effectLst/>
+                        <a:latin typeface="Calibri"/>
+                      </a:endParaRPr>
+                    </a:p>
+                  </a:txBody>
+                  <a:tcPr marL="0" marR="0" marT="0" marB="0" anchor="b"/>
+                </a:tc>
+                <a:tc>
+                  <a:txBody>
+                    <a:bodyPr/>
+                    <a:lstStyle/>
+                    <a:p>
+                      <a:pPr algn="l" fontAlgn="b"/>
+                      <a:endParaRPr lang="de-CH" sz="1100" b="0" i="0" u="none" strike="noStrike">
+                        <a:solidFill>
+                          <a:srgbClr val="000000"/>
+                        </a:solidFill>
+                        <a:effectLst/>
+                        <a:latin typeface="Calibri"/>
+                      </a:endParaRPr>
+                    </a:p>
+                  </a:txBody>
+                  <a:tcPr marL="0" marR="0" marT="0" marB="0" anchor="b"/>
+                </a:tc>
+                <a:tc>
+                  <a:txBody>
+                    <a:bodyPr/>
+                    <a:lstStyle/>
+                    <a:p>
+                      <a:pPr algn="l" fontAlgn="b"/>
+                      <a:r>
+                        <a:rPr lang="de-CH" sz="1100" u="none" strike="noStrike">
+                          <a:effectLst/>
+                        </a:rPr>
+                        <a:t>Total</a:t>
+                      </a:r>
+                      <a:endParaRPr lang="de-CH" sz="1100" b="0" i="0" u="none" strike="noStrike">
+                        <a:solidFill>
+                          <a:srgbClr val="000000"/>
+                        </a:solidFill>
+                        <a:effectLst/>
+                        <a:latin typeface="Calibri"/>
+                      </a:endParaRPr>
+                    </a:p>
+                  </a:txBody>
+                  <a:tcPr marL="0" marR="0" marT="0" marB="0" anchor="b"/>
+                </a:tc>
+                <a:tc>
+                  <a:txBody>
+                    <a:bodyPr/>
+                    <a:lstStyle/>
+                    <a:p>
+                      <a:pPr algn="r" fontAlgn="b"/>
+                      <a:r>
+                        <a:rPr lang="de-CH" sz="1100" u="none" strike="noStrike">
+                          <a:effectLst/>
+                        </a:rPr>
+                        <a:t>120</a:t>
+                      </a:r>
+                      <a:endParaRPr lang="de-CH" sz="1100" b="0" i="0" u="none" strike="noStrike">
+                        <a:solidFill>
+                          <a:srgbClr val="000000"/>
+                        </a:solidFill>
+                        <a:effectLst/>
+                        <a:latin typeface="Calibri"/>
+                      </a:endParaRPr>
+                    </a:p>
+                  </a:txBody>
+                  <a:tcPr marL="0" marR="0" marT="0" marB="0" anchor="b"/>
+                </a:tc>
+                <a:tc>
+                  <a:txBody>
+                    <a:bodyPr/>
+                    <a:lstStyle/>
+                    <a:p>
+                      <a:pPr algn="l" fontAlgn="b"/>
+                      <a:endParaRPr lang="de-CH" sz="1100" b="0" i="0" u="none" strike="noStrike">
+                        <a:solidFill>
+                          <a:srgbClr val="000000"/>
+                        </a:solidFill>
+                        <a:effectLst/>
+                        <a:latin typeface="Calibri"/>
+                      </a:endParaRPr>
+                    </a:p>
+                  </a:txBody>
+                  <a:tcPr marL="0" marR="0" marT="0" marB="0" anchor="b"/>
+                </a:tc>
+                <a:tc>
+                  <a:txBody>
+                    <a:bodyPr/>
+                    <a:lstStyle/>
+                    <a:p>
+                      <a:pPr algn="l" fontAlgn="b"/>
+                      <a:endParaRPr lang="de-CH" sz="1100" b="0" i="0" u="none" strike="noStrike">
+                        <a:solidFill>
+                          <a:srgbClr val="000000"/>
+                        </a:solidFill>
+                        <a:effectLst/>
+                        <a:latin typeface="Calibri"/>
+                      </a:endParaRPr>
+                    </a:p>
+                  </a:txBody>
+                  <a:tcPr marL="0" marR="0" marT="0" marB="0" anchor="b"/>
+                </a:tc>
+                <a:tc>
+                  <a:txBody>
+                    <a:bodyPr/>
+                    <a:lstStyle/>
+                    <a:p>
+                      <a:pPr algn="l" fontAlgn="b"/>
+                      <a:endParaRPr lang="de-CH" sz="1100" b="0" i="0" u="none" strike="noStrike" dirty="0">
+                        <a:solidFill>
+                          <a:srgbClr val="000000"/>
+                        </a:solidFill>
+                        <a:effectLst/>
+                        <a:latin typeface="Calibri"/>
+                      </a:endParaRPr>
+                    </a:p>
+                  </a:txBody>
+                  <a:tcPr marL="0" marR="0" marT="0" marB="0" anchor="b"/>
+                </a:tc>
+              </a:tr>
+            </a:tbl>
+          </a:graphicData>
+        </a:graphic>
+      </p:graphicFrame>
     </p:spTree>
     <p:extLst>
       <p:ext uri="{BB962C8B-B14F-4D97-AF65-F5344CB8AC3E}">
-        <p14:creationId xmlns:p14="http://schemas.microsoft.com/office/powerpoint/2010/main" val="419707715"/>
+        <p14:creationId xmlns:p14="http://schemas.microsoft.com/office/powerpoint/2010/main" val="631630683"/>
       </p:ext>
     </p:extLst>
   </p:cSld>
@@ -3257,40 +4460,6 @@
           <a:chExt cx="0" cy="0"/>
         </a:xfrm>
       </p:grpSpPr>
-      <p:sp>
-        <p:nvSpPr>
-          <p:cNvPr id="2" name="Titel 1"/>
-          <p:cNvSpPr>
-            <a:spLocks noGrp="1"/>
-          </p:cNvSpPr>
-          <p:nvPr>
-            <p:ph type="title"/>
-          </p:nvPr>
-        </p:nvSpPr>
-        <p:spPr>
-          <a:xfrm>
-            <a:off x="457200" y="274638"/>
-            <a:ext cx="8229600" cy="778098"/>
-          </a:xfrm>
-        </p:spPr>
-        <p:txBody>
-          <a:bodyPr>
-            <a:normAutofit/>
-          </a:bodyPr>
-          <a:lstStyle/>
-          <a:p>
-            <a:r>
-              <a:rPr lang="de-CH" sz="2800" dirty="0" err="1" smtClean="0"/>
-              <a:t>Scrum</a:t>
-            </a:r>
-            <a:r>
-              <a:rPr lang="de-CH" sz="2800" dirty="0" smtClean="0"/>
-              <a:t> Version 1</a:t>
-            </a:r>
-            <a:endParaRPr lang="de-CH" sz="2800" dirty="0"/>
-          </a:p>
-        </p:txBody>
-      </p:sp>
       <p:graphicFrame>
         <p:nvGraphicFramePr>
           <p:cNvPr id="4" name="Inhaltsplatzhalter 3"/>
@@ -3301,1279 +4470,7 @@
             <p:ph idx="1"/>
             <p:extLst>
               <p:ext uri="{D42A27DB-BD31-4B8C-83A1-F6EECF244321}">
-                <p14:modId xmlns:p14="http://schemas.microsoft.com/office/powerpoint/2010/main" val="4128117511"/>
-              </p:ext>
-            </p:extLst>
-          </p:nvPr>
-        </p:nvGraphicFramePr>
-        <p:xfrm>
-          <a:off x="323528" y="1340768"/>
-          <a:ext cx="2260600" cy="1340485"/>
-        </p:xfrm>
-        <a:graphic>
-          <a:graphicData uri="http://schemas.openxmlformats.org/drawingml/2006/table">
-            <a:tbl>
-              <a:tblPr firstRow="1">
-                <a:tableStyleId>{5C22544A-7EE6-4342-B048-85BDC9FD1C3A}</a:tableStyleId>
-              </a:tblPr>
-              <a:tblGrid>
-                <a:gridCol w="1017746"/>
-                <a:gridCol w="1242854"/>
-              </a:tblGrid>
-              <a:tr h="243205">
-                <a:tc>
-                  <a:txBody>
-                    <a:bodyPr/>
-                    <a:lstStyle/>
-                    <a:p>
-                      <a:pPr algn="l" fontAlgn="b"/>
-                      <a:r>
-                        <a:rPr lang="de-CH" sz="1100" u="none" strike="noStrike" dirty="0">
-                          <a:effectLst/>
-                        </a:rPr>
-                        <a:t>Name</a:t>
-                      </a:r>
-                      <a:endParaRPr lang="de-CH" sz="1100" b="1" i="0" u="none" strike="noStrike" dirty="0">
-                        <a:solidFill>
-                          <a:srgbClr val="FFFFFF"/>
-                        </a:solidFill>
-                        <a:effectLst/>
-                        <a:latin typeface="Calibri"/>
-                      </a:endParaRPr>
-                    </a:p>
-                  </a:txBody>
-                  <a:tcPr marL="0" marR="0" marT="0" marB="0" anchor="b"/>
-                </a:tc>
-                <a:tc>
-                  <a:txBody>
-                    <a:bodyPr/>
-                    <a:lstStyle/>
-                    <a:p>
-                      <a:pPr algn="l" fontAlgn="b"/>
-                      <a:r>
-                        <a:rPr lang="de-CH" sz="1100" u="none" strike="noStrike">
-                          <a:effectLst/>
-                        </a:rPr>
-                        <a:t>GitHub Alias</a:t>
-                      </a:r>
-                      <a:endParaRPr lang="de-CH" sz="1100" b="1" i="0" u="none" strike="noStrike">
-                        <a:solidFill>
-                          <a:srgbClr val="FFFFFF"/>
-                        </a:solidFill>
-                        <a:effectLst/>
-                        <a:latin typeface="Calibri"/>
-                      </a:endParaRPr>
-                    </a:p>
-                  </a:txBody>
-                  <a:tcPr marL="0" marR="0" marT="0" marB="0" anchor="b"/>
-                </a:tc>
-              </a:tr>
-              <a:tr h="190500">
-                <a:tc>
-                  <a:txBody>
-                    <a:bodyPr/>
-                    <a:lstStyle/>
-                    <a:p>
-                      <a:pPr algn="l" fontAlgn="b"/>
-                      <a:r>
-                        <a:rPr lang="de-CH" sz="1100" u="none" strike="noStrike">
-                          <a:effectLst/>
-                        </a:rPr>
-                        <a:t>Mauro Tschanz</a:t>
-                      </a:r>
-                      <a:endParaRPr lang="de-CH" sz="1100" b="0" i="0" u="none" strike="noStrike">
-                        <a:solidFill>
-                          <a:srgbClr val="000000"/>
-                        </a:solidFill>
-                        <a:effectLst/>
-                        <a:latin typeface="Calibri"/>
-                      </a:endParaRPr>
-                    </a:p>
-                  </a:txBody>
-                  <a:tcPr marL="0" marR="0" marT="0" marB="0" anchor="b"/>
-                </a:tc>
-                <a:tc>
-                  <a:txBody>
-                    <a:bodyPr/>
-                    <a:lstStyle/>
-                    <a:p>
-                      <a:pPr algn="l" fontAlgn="b"/>
-                      <a:r>
-                        <a:rPr lang="de-CH" sz="1100" u="none" strike="noStrike">
-                          <a:effectLst/>
-                        </a:rPr>
-                        <a:t>tschm2</a:t>
-                      </a:r>
-                      <a:endParaRPr lang="de-CH" sz="1100" b="0" i="0" u="none" strike="noStrike">
-                        <a:solidFill>
-                          <a:srgbClr val="000000"/>
-                        </a:solidFill>
-                        <a:effectLst/>
-                        <a:latin typeface="Calibri"/>
-                      </a:endParaRPr>
-                    </a:p>
-                  </a:txBody>
-                  <a:tcPr marL="0" marR="0" marT="0" marB="0" anchor="b"/>
-                </a:tc>
-              </a:tr>
-              <a:tr h="190500">
-                <a:tc>
-                  <a:txBody>
-                    <a:bodyPr/>
-                    <a:lstStyle/>
-                    <a:p>
-                      <a:pPr algn="l" fontAlgn="b"/>
-                      <a:r>
-                        <a:rPr lang="de-CH" sz="1100" u="none" strike="noStrike">
-                          <a:effectLst/>
-                        </a:rPr>
-                        <a:t>Maurice Zysset</a:t>
-                      </a:r>
-                      <a:endParaRPr lang="de-CH" sz="1100" b="0" i="0" u="none" strike="noStrike">
-                        <a:solidFill>
-                          <a:srgbClr val="000000"/>
-                        </a:solidFill>
-                        <a:effectLst/>
-                        <a:latin typeface="Calibri"/>
-                      </a:endParaRPr>
-                    </a:p>
-                  </a:txBody>
-                  <a:tcPr marL="0" marR="0" marT="0" marB="0" anchor="b"/>
-                </a:tc>
-                <a:tc>
-                  <a:txBody>
-                    <a:bodyPr/>
-                    <a:lstStyle/>
-                    <a:p>
-                      <a:pPr algn="l" fontAlgn="b"/>
-                      <a:r>
-                        <a:rPr lang="de-CH" sz="1100" u="none" strike="noStrike">
-                          <a:effectLst/>
-                        </a:rPr>
-                        <a:t>zyssm4</a:t>
-                      </a:r>
-                      <a:endParaRPr lang="de-CH" sz="1100" b="0" i="0" u="none" strike="noStrike">
-                        <a:solidFill>
-                          <a:srgbClr val="000000"/>
-                        </a:solidFill>
-                        <a:effectLst/>
-                        <a:latin typeface="Calibri"/>
-                      </a:endParaRPr>
-                    </a:p>
-                  </a:txBody>
-                  <a:tcPr marL="0" marR="0" marT="0" marB="0" anchor="b"/>
-                </a:tc>
-              </a:tr>
-              <a:tr h="190500">
-                <a:tc>
-                  <a:txBody>
-                    <a:bodyPr/>
-                    <a:lstStyle/>
-                    <a:p>
-                      <a:pPr algn="l" fontAlgn="b"/>
-                      <a:r>
-                        <a:rPr lang="de-CH" sz="1100" u="none" strike="noStrike">
-                          <a:effectLst/>
-                        </a:rPr>
-                        <a:t>Kaspar Schmocker</a:t>
-                      </a:r>
-                      <a:endParaRPr lang="de-CH" sz="1100" b="0" i="0" u="none" strike="noStrike">
-                        <a:solidFill>
-                          <a:srgbClr val="000000"/>
-                        </a:solidFill>
-                        <a:effectLst/>
-                        <a:latin typeface="Calibri"/>
-                      </a:endParaRPr>
-                    </a:p>
-                  </a:txBody>
-                  <a:tcPr marL="0" marR="0" marT="0" marB="0" anchor="b"/>
-                </a:tc>
-                <a:tc>
-                  <a:txBody>
-                    <a:bodyPr/>
-                    <a:lstStyle/>
-                    <a:p>
-                      <a:pPr algn="l" fontAlgn="b"/>
-                      <a:r>
-                        <a:rPr lang="de-CH" sz="1100" u="none" strike="noStrike" dirty="0">
-                          <a:effectLst/>
-                        </a:rPr>
-                        <a:t>schmk3</a:t>
-                      </a:r>
-                      <a:endParaRPr lang="de-CH" sz="1100" b="0" i="0" u="none" strike="noStrike" dirty="0">
-                        <a:solidFill>
-                          <a:srgbClr val="000000"/>
-                        </a:solidFill>
-                        <a:effectLst/>
-                        <a:latin typeface="Calibri"/>
-                      </a:endParaRPr>
-                    </a:p>
-                  </a:txBody>
-                  <a:tcPr marL="0" marR="0" marT="0" marB="0" anchor="b"/>
-                </a:tc>
-              </a:tr>
-              <a:tr h="190500">
-                <a:tc>
-                  <a:txBody>
-                    <a:bodyPr/>
-                    <a:lstStyle/>
-                    <a:p>
-                      <a:pPr algn="l" fontAlgn="b"/>
-                      <a:r>
-                        <a:rPr lang="de-CH" sz="1100" u="none" strike="noStrike">
-                          <a:effectLst/>
-                        </a:rPr>
-                        <a:t>Rea Iseli</a:t>
-                      </a:r>
-                      <a:endParaRPr lang="de-CH" sz="1100" b="0" i="0" u="none" strike="noStrike">
-                        <a:solidFill>
-                          <a:srgbClr val="000000"/>
-                        </a:solidFill>
-                        <a:effectLst/>
-                        <a:latin typeface="Calibri"/>
-                      </a:endParaRPr>
-                    </a:p>
-                  </a:txBody>
-                  <a:tcPr marL="0" marR="0" marT="0" marB="0" anchor="b"/>
-                </a:tc>
-                <a:tc>
-                  <a:txBody>
-                    <a:bodyPr/>
-                    <a:lstStyle/>
-                    <a:p>
-                      <a:pPr algn="l" fontAlgn="b"/>
-                      <a:r>
-                        <a:rPr lang="de-CH" sz="1100" u="none" strike="noStrike">
-                          <a:effectLst/>
-                        </a:rPr>
-                        <a:t>iselr1</a:t>
-                      </a:r>
-                      <a:endParaRPr lang="de-CH" sz="1100" b="0" i="0" u="none" strike="noStrike">
-                        <a:solidFill>
-                          <a:srgbClr val="000000"/>
-                        </a:solidFill>
-                        <a:effectLst/>
-                        <a:latin typeface="Calibri"/>
-                      </a:endParaRPr>
-                    </a:p>
-                  </a:txBody>
-                  <a:tcPr marL="0" marR="0" marT="0" marB="0" anchor="b"/>
-                </a:tc>
-              </a:tr>
-              <a:tr h="190500">
-                <a:tc>
-                  <a:txBody>
-                    <a:bodyPr/>
-                    <a:lstStyle/>
-                    <a:p>
-                      <a:pPr algn="l" fontAlgn="b"/>
-                      <a:r>
-                        <a:rPr lang="de-CH" sz="1100" u="none" strike="noStrike">
-                          <a:effectLst/>
-                        </a:rPr>
-                        <a:t>Philippe Noser</a:t>
-                      </a:r>
-                      <a:endParaRPr lang="de-CH" sz="1100" b="0" i="0" u="none" strike="noStrike">
-                        <a:solidFill>
-                          <a:srgbClr val="000000"/>
-                        </a:solidFill>
-                        <a:effectLst/>
-                        <a:latin typeface="Calibri"/>
-                      </a:endParaRPr>
-                    </a:p>
-                  </a:txBody>
-                  <a:tcPr marL="0" marR="0" marT="0" marB="0" anchor="b"/>
-                </a:tc>
-                <a:tc>
-                  <a:txBody>
-                    <a:bodyPr/>
-                    <a:lstStyle/>
-                    <a:p>
-                      <a:pPr algn="l" fontAlgn="b"/>
-                      <a:r>
-                        <a:rPr lang="de-CH" sz="1100" u="none" strike="noStrike" dirty="0">
-                          <a:effectLst/>
-                        </a:rPr>
-                        <a:t>nosep2</a:t>
-                      </a:r>
-                      <a:endParaRPr lang="de-CH" sz="1100" b="0" i="0" u="none" strike="noStrike" dirty="0">
-                        <a:solidFill>
-                          <a:srgbClr val="000000"/>
-                        </a:solidFill>
-                        <a:effectLst/>
-                        <a:latin typeface="Calibri"/>
-                      </a:endParaRPr>
-                    </a:p>
-                  </a:txBody>
-                  <a:tcPr marL="0" marR="0" marT="0" marB="0" anchor="b"/>
-                </a:tc>
-              </a:tr>
-            </a:tbl>
-          </a:graphicData>
-        </a:graphic>
-      </p:graphicFrame>
-      <p:graphicFrame>
-        <p:nvGraphicFramePr>
-          <p:cNvPr id="5" name="Tabelle 4"/>
-          <p:cNvGraphicFramePr>
-            <a:graphicFrameLocks noGrp="1"/>
-          </p:cNvGraphicFramePr>
-          <p:nvPr>
-            <p:extLst>
-              <p:ext uri="{D42A27DB-BD31-4B8C-83A1-F6EECF244321}">
-                <p14:modId xmlns:p14="http://schemas.microsoft.com/office/powerpoint/2010/main" val="4139946065"/>
-              </p:ext>
-            </p:extLst>
-          </p:nvPr>
-        </p:nvGraphicFramePr>
-        <p:xfrm>
-          <a:off x="323528" y="2852936"/>
-          <a:ext cx="8208912" cy="1870364"/>
-        </p:xfrm>
-        <a:graphic>
-          <a:graphicData uri="http://schemas.openxmlformats.org/drawingml/2006/table">
-            <a:tbl>
-              <a:tblPr firstRow="1">
-                <a:tableStyleId>{5C22544A-7EE6-4342-B048-85BDC9FD1C3A}</a:tableStyleId>
-              </a:tblPr>
-              <a:tblGrid>
-                <a:gridCol w="249193"/>
-                <a:gridCol w="1485814"/>
-                <a:gridCol w="2604067"/>
-                <a:gridCol w="647902"/>
-                <a:gridCol w="772498"/>
-                <a:gridCol w="859716"/>
-                <a:gridCol w="663476"/>
-                <a:gridCol w="926246"/>
-              </a:tblGrid>
-              <a:tr h="374073">
-                <a:tc>
-                  <a:txBody>
-                    <a:bodyPr/>
-                    <a:lstStyle/>
-                    <a:p>
-                      <a:pPr algn="l" fontAlgn="b"/>
-                      <a:r>
-                        <a:rPr lang="de-CH" sz="1100" u="none" strike="noStrike" dirty="0">
-                          <a:effectLst/>
-                        </a:rPr>
-                        <a:t>ID</a:t>
-                      </a:r>
-                      <a:endParaRPr lang="de-CH" sz="1100" b="1" i="0" u="none" strike="noStrike" dirty="0">
-                        <a:solidFill>
-                          <a:srgbClr val="FFFFFF"/>
-                        </a:solidFill>
-                        <a:effectLst/>
-                        <a:latin typeface="Calibri"/>
-                      </a:endParaRPr>
-                    </a:p>
-                  </a:txBody>
-                  <a:tcPr marL="0" marR="0" marT="0" marB="0" anchor="b"/>
-                </a:tc>
-                <a:tc>
-                  <a:txBody>
-                    <a:bodyPr/>
-                    <a:lstStyle/>
-                    <a:p>
-                      <a:pPr algn="l" fontAlgn="b"/>
-                      <a:r>
-                        <a:rPr lang="de-CH" sz="1100" u="none" strike="noStrike" dirty="0">
-                          <a:effectLst/>
-                        </a:rPr>
-                        <a:t>Story Name</a:t>
-                      </a:r>
-                      <a:endParaRPr lang="de-CH" sz="1100" b="1" i="0" u="none" strike="noStrike" dirty="0">
-                        <a:solidFill>
-                          <a:srgbClr val="FFFFFF"/>
-                        </a:solidFill>
-                        <a:effectLst/>
-                        <a:latin typeface="Calibri"/>
-                      </a:endParaRPr>
-                    </a:p>
-                  </a:txBody>
-                  <a:tcPr marL="0" marR="0" marT="0" marB="0" anchor="b"/>
-                </a:tc>
-                <a:tc>
-                  <a:txBody>
-                    <a:bodyPr/>
-                    <a:lstStyle/>
-                    <a:p>
-                      <a:pPr algn="l" fontAlgn="b"/>
-                      <a:r>
-                        <a:rPr lang="de-CH" sz="1100" u="none" strike="noStrike">
-                          <a:effectLst/>
-                        </a:rPr>
-                        <a:t>Description</a:t>
-                      </a:r>
-                      <a:endParaRPr lang="de-CH" sz="1100" b="1" i="0" u="none" strike="noStrike">
-                        <a:solidFill>
-                          <a:srgbClr val="FFFFFF"/>
-                        </a:solidFill>
-                        <a:effectLst/>
-                        <a:latin typeface="Calibri"/>
-                      </a:endParaRPr>
-                    </a:p>
-                  </a:txBody>
-                  <a:tcPr marL="0" marR="0" marT="0" marB="0" anchor="b"/>
-                </a:tc>
-                <a:tc>
-                  <a:txBody>
-                    <a:bodyPr/>
-                    <a:lstStyle/>
-                    <a:p>
-                      <a:pPr algn="l" fontAlgn="b"/>
-                      <a:r>
-                        <a:rPr lang="de-CH" sz="1100" u="none" strike="noStrike">
-                          <a:effectLst/>
-                        </a:rPr>
-                        <a:t>Priority </a:t>
-                      </a:r>
-                      <a:endParaRPr lang="de-CH" sz="1100" b="1" i="0" u="none" strike="noStrike">
-                        <a:solidFill>
-                          <a:srgbClr val="FFFFFF"/>
-                        </a:solidFill>
-                        <a:effectLst/>
-                        <a:latin typeface="Calibri"/>
-                      </a:endParaRPr>
-                    </a:p>
-                  </a:txBody>
-                  <a:tcPr marL="0" marR="0" marT="0" marB="0" anchor="b"/>
-                </a:tc>
-                <a:tc>
-                  <a:txBody>
-                    <a:bodyPr/>
-                    <a:lstStyle/>
-                    <a:p>
-                      <a:pPr algn="l" fontAlgn="b"/>
-                      <a:r>
-                        <a:rPr lang="de-CH" sz="1100" u="none" strike="noStrike">
-                          <a:effectLst/>
-                        </a:rPr>
-                        <a:t>Effort Plan Original</a:t>
-                      </a:r>
-                      <a:endParaRPr lang="de-CH" sz="1100" b="1" i="0" u="none" strike="noStrike">
-                        <a:solidFill>
-                          <a:srgbClr val="FFFFFF"/>
-                        </a:solidFill>
-                        <a:effectLst/>
-                        <a:latin typeface="Calibri"/>
-                      </a:endParaRPr>
-                    </a:p>
-                  </a:txBody>
-                  <a:tcPr marL="0" marR="0" marT="0" marB="0" anchor="b"/>
-                </a:tc>
-                <a:tc>
-                  <a:txBody>
-                    <a:bodyPr/>
-                    <a:lstStyle/>
-                    <a:p>
-                      <a:pPr algn="l" fontAlgn="b"/>
-                      <a:r>
-                        <a:rPr lang="de-CH" sz="1100" u="none" strike="noStrike">
-                          <a:effectLst/>
-                        </a:rPr>
-                        <a:t>Effort Plan Updated</a:t>
-                      </a:r>
-                      <a:endParaRPr lang="de-CH" sz="1100" b="1" i="0" u="none" strike="noStrike">
-                        <a:solidFill>
-                          <a:srgbClr val="FFFFFF"/>
-                        </a:solidFill>
-                        <a:effectLst/>
-                        <a:latin typeface="Calibri"/>
-                      </a:endParaRPr>
-                    </a:p>
-                  </a:txBody>
-                  <a:tcPr marL="0" marR="0" marT="0" marB="0" anchor="b"/>
-                </a:tc>
-                <a:tc>
-                  <a:txBody>
-                    <a:bodyPr/>
-                    <a:lstStyle/>
-                    <a:p>
-                      <a:pPr algn="l" fontAlgn="b"/>
-                      <a:r>
-                        <a:rPr lang="de-CH" sz="1100" u="none" strike="noStrike">
-                          <a:effectLst/>
-                        </a:rPr>
-                        <a:t>Effort Actual</a:t>
-                      </a:r>
-                      <a:endParaRPr lang="de-CH" sz="1100" b="1" i="0" u="none" strike="noStrike">
-                        <a:solidFill>
-                          <a:srgbClr val="FFFFFF"/>
-                        </a:solidFill>
-                        <a:effectLst/>
-                        <a:latin typeface="Calibri"/>
-                      </a:endParaRPr>
-                    </a:p>
-                  </a:txBody>
-                  <a:tcPr marL="0" marR="0" marT="0" marB="0" anchor="b"/>
-                </a:tc>
-                <a:tc>
-                  <a:txBody>
-                    <a:bodyPr/>
-                    <a:lstStyle/>
-                    <a:p>
-                      <a:pPr algn="l" fontAlgn="b"/>
-                      <a:r>
-                        <a:rPr lang="de-CH" sz="1100" u="none" strike="noStrike" dirty="0">
-                          <a:effectLst/>
-                        </a:rPr>
-                        <a:t>Status</a:t>
-                      </a:r>
-                      <a:endParaRPr lang="de-CH" sz="1100" b="1" i="0" u="none" strike="noStrike" dirty="0">
-                        <a:solidFill>
-                          <a:srgbClr val="FFFFFF"/>
-                        </a:solidFill>
-                        <a:effectLst/>
-                        <a:latin typeface="Calibri"/>
-                      </a:endParaRPr>
-                    </a:p>
-                  </a:txBody>
-                  <a:tcPr marL="0" marR="0" marT="0" marB="0" anchor="b"/>
-                </a:tc>
-              </a:tr>
-              <a:tr h="374073">
-                <a:tc>
-                  <a:txBody>
-                    <a:bodyPr/>
-                    <a:lstStyle/>
-                    <a:p>
-                      <a:pPr algn="r" fontAlgn="b"/>
-                      <a:r>
-                        <a:rPr lang="de-CH" sz="1100" u="none" strike="noStrike">
-                          <a:effectLst/>
-                        </a:rPr>
-                        <a:t>1</a:t>
-                      </a:r>
-                      <a:endParaRPr lang="de-CH" sz="1100" b="0" i="0" u="none" strike="noStrike">
-                        <a:solidFill>
-                          <a:srgbClr val="000000"/>
-                        </a:solidFill>
-                        <a:effectLst/>
-                        <a:latin typeface="Calibri"/>
-                      </a:endParaRPr>
-                    </a:p>
-                  </a:txBody>
-                  <a:tcPr marL="0" marR="0" marT="0" marB="0" anchor="b"/>
-                </a:tc>
-                <a:tc>
-                  <a:txBody>
-                    <a:bodyPr/>
-                    <a:lstStyle/>
-                    <a:p>
-                      <a:pPr algn="l" fontAlgn="b"/>
-                      <a:r>
-                        <a:rPr lang="de-CH" sz="1100" u="none" strike="noStrike">
-                          <a:effectLst/>
-                        </a:rPr>
-                        <a:t>Create Infopage</a:t>
-                      </a:r>
-                      <a:endParaRPr lang="de-CH" sz="1100" b="0" i="0" u="none" strike="noStrike">
-                        <a:solidFill>
-                          <a:srgbClr val="000000"/>
-                        </a:solidFill>
-                        <a:effectLst/>
-                        <a:latin typeface="Calibri"/>
-                      </a:endParaRPr>
-                    </a:p>
-                  </a:txBody>
-                  <a:tcPr marL="0" marR="0" marT="0" marB="0" anchor="b"/>
-                </a:tc>
-                <a:tc>
-                  <a:txBody>
-                    <a:bodyPr/>
-                    <a:lstStyle/>
-                    <a:p>
-                      <a:pPr algn="l" fontAlgn="t"/>
-                      <a:r>
-                        <a:rPr lang="en-US" sz="1100" u="none" strike="noStrike">
-                          <a:effectLst/>
-                        </a:rPr>
-                        <a:t>The User enters all relevant Data about himself and his disease</a:t>
-                      </a:r>
-                      <a:endParaRPr lang="en-US" sz="1100" b="0" i="0" u="none" strike="noStrike">
-                        <a:solidFill>
-                          <a:srgbClr val="000000"/>
-                        </a:solidFill>
-                        <a:effectLst/>
-                        <a:latin typeface="Calibri"/>
-                      </a:endParaRPr>
-                    </a:p>
-                  </a:txBody>
-                  <a:tcPr marL="0" marR="0" marT="0" marB="0"/>
-                </a:tc>
-                <a:tc>
-                  <a:txBody>
-                    <a:bodyPr/>
-                    <a:lstStyle/>
-                    <a:p>
-                      <a:pPr algn="l" fontAlgn="b"/>
-                      <a:r>
-                        <a:rPr lang="de-CH" sz="1100" u="none" strike="noStrike">
-                          <a:effectLst/>
-                        </a:rPr>
-                        <a:t>high</a:t>
-                      </a:r>
-                      <a:endParaRPr lang="de-CH" sz="1100" b="0" i="0" u="none" strike="noStrike">
-                        <a:solidFill>
-                          <a:srgbClr val="000000"/>
-                        </a:solidFill>
-                        <a:effectLst/>
-                        <a:latin typeface="Calibri"/>
-                      </a:endParaRPr>
-                    </a:p>
-                  </a:txBody>
-                  <a:tcPr marL="0" marR="0" marT="0" marB="0" anchor="b"/>
-                </a:tc>
-                <a:tc>
-                  <a:txBody>
-                    <a:bodyPr/>
-                    <a:lstStyle/>
-                    <a:p>
-                      <a:pPr algn="r" fontAlgn="b"/>
-                      <a:r>
-                        <a:rPr lang="de-CH" sz="1100" u="none" strike="noStrike">
-                          <a:effectLst/>
-                        </a:rPr>
-                        <a:t>20</a:t>
-                      </a:r>
-                      <a:endParaRPr lang="de-CH" sz="1100" b="0" i="0" u="none" strike="noStrike">
-                        <a:solidFill>
-                          <a:srgbClr val="000000"/>
-                        </a:solidFill>
-                        <a:effectLst/>
-                        <a:latin typeface="Calibri"/>
-                      </a:endParaRPr>
-                    </a:p>
-                  </a:txBody>
-                  <a:tcPr marL="0" marR="0" marT="0" marB="0" anchor="b"/>
-                </a:tc>
-                <a:tc>
-                  <a:txBody>
-                    <a:bodyPr/>
-                    <a:lstStyle/>
-                    <a:p>
-                      <a:pPr algn="l" fontAlgn="b"/>
-                      <a:endParaRPr lang="de-CH" sz="1100" b="0" i="0" u="none" strike="noStrike">
-                        <a:solidFill>
-                          <a:srgbClr val="000000"/>
-                        </a:solidFill>
-                        <a:effectLst/>
-                        <a:latin typeface="Calibri"/>
-                      </a:endParaRPr>
-                    </a:p>
-                  </a:txBody>
-                  <a:tcPr marL="0" marR="0" marT="0" marB="0" anchor="b"/>
-                </a:tc>
-                <a:tc>
-                  <a:txBody>
-                    <a:bodyPr/>
-                    <a:lstStyle/>
-                    <a:p>
-                      <a:pPr algn="l" fontAlgn="b"/>
-                      <a:r>
-                        <a:rPr lang="de-CH" sz="1100" u="none" strike="noStrike">
-                          <a:effectLst/>
-                        </a:rPr>
-                        <a:t>0h</a:t>
-                      </a:r>
-                      <a:endParaRPr lang="de-CH" sz="1100" b="0" i="0" u="none" strike="noStrike">
-                        <a:solidFill>
-                          <a:srgbClr val="000000"/>
-                        </a:solidFill>
-                        <a:effectLst/>
-                        <a:latin typeface="Calibri"/>
-                      </a:endParaRPr>
-                    </a:p>
-                  </a:txBody>
-                  <a:tcPr marL="0" marR="0" marT="0" marB="0" anchor="b"/>
-                </a:tc>
-                <a:tc>
-                  <a:txBody>
-                    <a:bodyPr/>
-                    <a:lstStyle/>
-                    <a:p>
-                      <a:pPr algn="l" fontAlgn="b"/>
-                      <a:r>
-                        <a:rPr lang="de-CH" sz="1100" u="none" strike="noStrike">
-                          <a:effectLst/>
-                        </a:rPr>
-                        <a:t>waiting</a:t>
-                      </a:r>
-                      <a:endParaRPr lang="de-CH" sz="1100" b="0" i="0" u="none" strike="noStrike">
-                        <a:solidFill>
-                          <a:srgbClr val="000000"/>
-                        </a:solidFill>
-                        <a:effectLst/>
-                        <a:latin typeface="Calibri"/>
-                      </a:endParaRPr>
-                    </a:p>
-                  </a:txBody>
-                  <a:tcPr marL="0" marR="0" marT="0" marB="0" anchor="b"/>
-                </a:tc>
-              </a:tr>
-              <a:tr h="374073">
-                <a:tc>
-                  <a:txBody>
-                    <a:bodyPr/>
-                    <a:lstStyle/>
-                    <a:p>
-                      <a:pPr algn="r" fontAlgn="b"/>
-                      <a:r>
-                        <a:rPr lang="de-CH" sz="1100" u="none" strike="noStrike">
-                          <a:effectLst/>
-                        </a:rPr>
-                        <a:t>2</a:t>
-                      </a:r>
-                      <a:endParaRPr lang="de-CH" sz="1100" b="0" i="0" u="none" strike="noStrike">
-                        <a:solidFill>
-                          <a:srgbClr val="000000"/>
-                        </a:solidFill>
-                        <a:effectLst/>
-                        <a:latin typeface="Calibri"/>
-                      </a:endParaRPr>
-                    </a:p>
-                  </a:txBody>
-                  <a:tcPr marL="0" marR="0" marT="0" marB="0" anchor="b"/>
-                </a:tc>
-                <a:tc>
-                  <a:txBody>
-                    <a:bodyPr/>
-                    <a:lstStyle/>
-                    <a:p>
-                      <a:pPr algn="l" fontAlgn="b"/>
-                      <a:r>
-                        <a:rPr lang="de-CH" sz="1100" u="none" strike="noStrike">
-                          <a:effectLst/>
-                        </a:rPr>
-                        <a:t>new Appointment</a:t>
-                      </a:r>
-                      <a:endParaRPr lang="de-CH" sz="1100" b="0" i="0" u="none" strike="noStrike">
-                        <a:solidFill>
-                          <a:srgbClr val="000000"/>
-                        </a:solidFill>
-                        <a:effectLst/>
-                        <a:latin typeface="Calibri"/>
-                      </a:endParaRPr>
-                    </a:p>
-                  </a:txBody>
-                  <a:tcPr marL="0" marR="0" marT="0" marB="0" anchor="b"/>
-                </a:tc>
-                <a:tc>
-                  <a:txBody>
-                    <a:bodyPr/>
-                    <a:lstStyle/>
-                    <a:p>
-                      <a:pPr algn="l" fontAlgn="b"/>
-                      <a:r>
-                        <a:rPr lang="en-US" sz="1100" u="none" strike="noStrike">
-                          <a:effectLst/>
-                        </a:rPr>
-                        <a:t>The User makes a new Appointment with the doctor</a:t>
-                      </a:r>
-                      <a:endParaRPr lang="en-US" sz="1100" b="0" i="0" u="none" strike="noStrike">
-                        <a:solidFill>
-                          <a:srgbClr val="000000"/>
-                        </a:solidFill>
-                        <a:effectLst/>
-                        <a:latin typeface="Calibri"/>
-                      </a:endParaRPr>
-                    </a:p>
-                  </a:txBody>
-                  <a:tcPr marL="0" marR="0" marT="0" marB="0" anchor="b"/>
-                </a:tc>
-                <a:tc>
-                  <a:txBody>
-                    <a:bodyPr/>
-                    <a:lstStyle/>
-                    <a:p>
-                      <a:pPr algn="l" fontAlgn="b"/>
-                      <a:r>
-                        <a:rPr lang="de-CH" sz="1100" u="none" strike="noStrike">
-                          <a:effectLst/>
-                        </a:rPr>
-                        <a:t>high</a:t>
-                      </a:r>
-                      <a:endParaRPr lang="de-CH" sz="1100" b="0" i="0" u="none" strike="noStrike">
-                        <a:solidFill>
-                          <a:srgbClr val="000000"/>
-                        </a:solidFill>
-                        <a:effectLst/>
-                        <a:latin typeface="Calibri"/>
-                      </a:endParaRPr>
-                    </a:p>
-                  </a:txBody>
-                  <a:tcPr marL="0" marR="0" marT="0" marB="0" anchor="b"/>
-                </a:tc>
-                <a:tc>
-                  <a:txBody>
-                    <a:bodyPr/>
-                    <a:lstStyle/>
-                    <a:p>
-                      <a:pPr algn="r" fontAlgn="t"/>
-                      <a:r>
-                        <a:rPr lang="de-CH" sz="1100" u="none" strike="noStrike">
-                          <a:effectLst/>
-                        </a:rPr>
-                        <a:t>70</a:t>
-                      </a:r>
-                      <a:endParaRPr lang="de-CH" sz="1100" b="0" i="0" u="none" strike="noStrike">
-                        <a:solidFill>
-                          <a:srgbClr val="000000"/>
-                        </a:solidFill>
-                        <a:effectLst/>
-                        <a:latin typeface="Calibri"/>
-                      </a:endParaRPr>
-                    </a:p>
-                  </a:txBody>
-                  <a:tcPr marL="0" marR="0" marT="0" marB="0"/>
-                </a:tc>
-                <a:tc>
-                  <a:txBody>
-                    <a:bodyPr/>
-                    <a:lstStyle/>
-                    <a:p>
-                      <a:pPr algn="l" fontAlgn="t"/>
-                      <a:endParaRPr lang="de-CH" sz="1100" b="0" i="0" u="none" strike="noStrike">
-                        <a:solidFill>
-                          <a:srgbClr val="000000"/>
-                        </a:solidFill>
-                        <a:effectLst/>
-                        <a:latin typeface="Calibri"/>
-                      </a:endParaRPr>
-                    </a:p>
-                  </a:txBody>
-                  <a:tcPr marL="0" marR="0" marT="0" marB="0"/>
-                </a:tc>
-                <a:tc>
-                  <a:txBody>
-                    <a:bodyPr/>
-                    <a:lstStyle/>
-                    <a:p>
-                      <a:pPr algn="l" fontAlgn="t"/>
-                      <a:r>
-                        <a:rPr lang="de-CH" sz="1100" u="none" strike="noStrike">
-                          <a:effectLst/>
-                        </a:rPr>
-                        <a:t>0h</a:t>
-                      </a:r>
-                      <a:endParaRPr lang="de-CH" sz="1100" b="0" i="0" u="none" strike="noStrike">
-                        <a:solidFill>
-                          <a:srgbClr val="000000"/>
-                        </a:solidFill>
-                        <a:effectLst/>
-                        <a:latin typeface="Calibri"/>
-                      </a:endParaRPr>
-                    </a:p>
-                  </a:txBody>
-                  <a:tcPr marL="0" marR="0" marT="0" marB="0"/>
-                </a:tc>
-                <a:tc>
-                  <a:txBody>
-                    <a:bodyPr/>
-                    <a:lstStyle/>
-                    <a:p>
-                      <a:pPr algn="l" fontAlgn="t"/>
-                      <a:r>
-                        <a:rPr lang="de-CH" sz="1100" u="none" strike="noStrike">
-                          <a:effectLst/>
-                        </a:rPr>
-                        <a:t>waiting</a:t>
-                      </a:r>
-                      <a:endParaRPr lang="de-CH" sz="1100" b="0" i="0" u="none" strike="noStrike">
-                        <a:solidFill>
-                          <a:srgbClr val="000000"/>
-                        </a:solidFill>
-                        <a:effectLst/>
-                        <a:latin typeface="Calibri"/>
-                      </a:endParaRPr>
-                    </a:p>
-                  </a:txBody>
-                  <a:tcPr marL="0" marR="0" marT="0" marB="0"/>
-                </a:tc>
-              </a:tr>
-              <a:tr h="561109">
-                <a:tc>
-                  <a:txBody>
-                    <a:bodyPr/>
-                    <a:lstStyle/>
-                    <a:p>
-                      <a:pPr algn="r" fontAlgn="b"/>
-                      <a:r>
-                        <a:rPr lang="de-CH" sz="1100" u="none" strike="noStrike">
-                          <a:effectLst/>
-                        </a:rPr>
-                        <a:t>3</a:t>
-                      </a:r>
-                      <a:endParaRPr lang="de-CH" sz="1100" b="0" i="0" u="none" strike="noStrike">
-                        <a:solidFill>
-                          <a:srgbClr val="000000"/>
-                        </a:solidFill>
-                        <a:effectLst/>
-                        <a:latin typeface="Calibri"/>
-                      </a:endParaRPr>
-                    </a:p>
-                  </a:txBody>
-                  <a:tcPr marL="0" marR="0" marT="0" marB="0" anchor="b"/>
-                </a:tc>
-                <a:tc>
-                  <a:txBody>
-                    <a:bodyPr/>
-                    <a:lstStyle/>
-                    <a:p>
-                      <a:pPr algn="l" fontAlgn="b"/>
-                      <a:r>
-                        <a:rPr lang="de-CH" sz="1100" u="none" strike="noStrike">
-                          <a:effectLst/>
-                        </a:rPr>
-                        <a:t>Enter a new drug</a:t>
-                      </a:r>
-                      <a:endParaRPr lang="de-CH" sz="1100" b="0" i="0" u="none" strike="noStrike">
-                        <a:solidFill>
-                          <a:srgbClr val="000000"/>
-                        </a:solidFill>
-                        <a:effectLst/>
-                        <a:latin typeface="Calibri"/>
-                      </a:endParaRPr>
-                    </a:p>
-                  </a:txBody>
-                  <a:tcPr marL="0" marR="0" marT="0" marB="0" anchor="b"/>
-                </a:tc>
-                <a:tc>
-                  <a:txBody>
-                    <a:bodyPr/>
-                    <a:lstStyle/>
-                    <a:p>
-                      <a:pPr algn="l" fontAlgn="b"/>
-                      <a:r>
-                        <a:rPr lang="en-US" sz="1100" u="none" strike="noStrike">
-                          <a:effectLst/>
-                        </a:rPr>
-                        <a:t>The user can enter the name and dosage he has to take, afterwards he has a overview of all drugs he has to take a day</a:t>
-                      </a:r>
-                      <a:endParaRPr lang="en-US" sz="1100" b="0" i="0" u="none" strike="noStrike">
-                        <a:solidFill>
-                          <a:srgbClr val="000000"/>
-                        </a:solidFill>
-                        <a:effectLst/>
-                        <a:latin typeface="Calibri"/>
-                      </a:endParaRPr>
-                    </a:p>
-                  </a:txBody>
-                  <a:tcPr marL="0" marR="0" marT="0" marB="0" anchor="b"/>
-                </a:tc>
-                <a:tc>
-                  <a:txBody>
-                    <a:bodyPr/>
-                    <a:lstStyle/>
-                    <a:p>
-                      <a:pPr algn="l" fontAlgn="b"/>
-                      <a:r>
-                        <a:rPr lang="de-CH" sz="1100" u="none" strike="noStrike">
-                          <a:effectLst/>
-                        </a:rPr>
-                        <a:t>medium</a:t>
-                      </a:r>
-                      <a:endParaRPr lang="de-CH" sz="1100" b="0" i="0" u="none" strike="noStrike">
-                        <a:solidFill>
-                          <a:srgbClr val="000000"/>
-                        </a:solidFill>
-                        <a:effectLst/>
-                        <a:latin typeface="Calibri"/>
-                      </a:endParaRPr>
-                    </a:p>
-                  </a:txBody>
-                  <a:tcPr marL="0" marR="0" marT="0" marB="0" anchor="b"/>
-                </a:tc>
-                <a:tc>
-                  <a:txBody>
-                    <a:bodyPr/>
-                    <a:lstStyle/>
-                    <a:p>
-                      <a:pPr algn="r" fontAlgn="b"/>
-                      <a:r>
-                        <a:rPr lang="de-CH" sz="1100" u="none" strike="noStrike">
-                          <a:effectLst/>
-                        </a:rPr>
-                        <a:t>50</a:t>
-                      </a:r>
-                      <a:endParaRPr lang="de-CH" sz="1100" b="0" i="0" u="none" strike="noStrike">
-                        <a:solidFill>
-                          <a:srgbClr val="000000"/>
-                        </a:solidFill>
-                        <a:effectLst/>
-                        <a:latin typeface="Calibri"/>
-                      </a:endParaRPr>
-                    </a:p>
-                  </a:txBody>
-                  <a:tcPr marL="0" marR="0" marT="0" marB="0" anchor="b"/>
-                </a:tc>
-                <a:tc>
-                  <a:txBody>
-                    <a:bodyPr/>
-                    <a:lstStyle/>
-                    <a:p>
-                      <a:pPr algn="l" fontAlgn="b"/>
-                      <a:endParaRPr lang="de-CH" sz="1100" b="0" i="0" u="none" strike="noStrike">
-                        <a:solidFill>
-                          <a:srgbClr val="000000"/>
-                        </a:solidFill>
-                        <a:effectLst/>
-                        <a:latin typeface="Calibri"/>
-                      </a:endParaRPr>
-                    </a:p>
-                  </a:txBody>
-                  <a:tcPr marL="0" marR="0" marT="0" marB="0" anchor="b"/>
-                </a:tc>
-                <a:tc>
-                  <a:txBody>
-                    <a:bodyPr/>
-                    <a:lstStyle/>
-                    <a:p>
-                      <a:pPr algn="l" fontAlgn="b"/>
-                      <a:r>
-                        <a:rPr lang="de-CH" sz="1100" u="none" strike="noStrike">
-                          <a:effectLst/>
-                        </a:rPr>
-                        <a:t>0h</a:t>
-                      </a:r>
-                      <a:endParaRPr lang="de-CH" sz="1100" b="0" i="0" u="none" strike="noStrike">
-                        <a:solidFill>
-                          <a:srgbClr val="000000"/>
-                        </a:solidFill>
-                        <a:effectLst/>
-                        <a:latin typeface="Calibri"/>
-                      </a:endParaRPr>
-                    </a:p>
-                  </a:txBody>
-                  <a:tcPr marL="0" marR="0" marT="0" marB="0" anchor="b"/>
-                </a:tc>
-                <a:tc>
-                  <a:txBody>
-                    <a:bodyPr/>
-                    <a:lstStyle/>
-                    <a:p>
-                      <a:pPr algn="l" fontAlgn="b"/>
-                      <a:r>
-                        <a:rPr lang="de-CH" sz="1100" u="none" strike="noStrike">
-                          <a:effectLst/>
-                        </a:rPr>
-                        <a:t>waiting</a:t>
-                      </a:r>
-                      <a:endParaRPr lang="de-CH" sz="1100" b="0" i="0" u="none" strike="noStrike">
-                        <a:solidFill>
-                          <a:srgbClr val="000000"/>
-                        </a:solidFill>
-                        <a:effectLst/>
-                        <a:latin typeface="Calibri"/>
-                      </a:endParaRPr>
-                    </a:p>
-                  </a:txBody>
-                  <a:tcPr marL="0" marR="0" marT="0" marB="0" anchor="b"/>
-                </a:tc>
-              </a:tr>
-              <a:tr h="187036">
-                <a:tc>
-                  <a:txBody>
-                    <a:bodyPr/>
-                    <a:lstStyle/>
-                    <a:p>
-                      <a:pPr algn="l" fontAlgn="b"/>
-                      <a:endParaRPr lang="de-CH" sz="1100" b="0" i="0" u="none" strike="noStrike">
-                        <a:solidFill>
-                          <a:srgbClr val="000000"/>
-                        </a:solidFill>
-                        <a:effectLst/>
-                        <a:latin typeface="Calibri"/>
-                      </a:endParaRPr>
-                    </a:p>
-                  </a:txBody>
-                  <a:tcPr marL="0" marR="0" marT="0" marB="0" anchor="b"/>
-                </a:tc>
-                <a:tc>
-                  <a:txBody>
-                    <a:bodyPr/>
-                    <a:lstStyle/>
-                    <a:p>
-                      <a:pPr algn="l" fontAlgn="b"/>
-                      <a:endParaRPr lang="de-CH" sz="1100" b="0" i="0" u="none" strike="noStrike">
-                        <a:solidFill>
-                          <a:srgbClr val="000000"/>
-                        </a:solidFill>
-                        <a:effectLst/>
-                        <a:latin typeface="Calibri"/>
-                      </a:endParaRPr>
-                    </a:p>
-                  </a:txBody>
-                  <a:tcPr marL="0" marR="0" marT="0" marB="0" anchor="b"/>
-                </a:tc>
-                <a:tc>
-                  <a:txBody>
-                    <a:bodyPr/>
-                    <a:lstStyle/>
-                    <a:p>
-                      <a:pPr algn="l" fontAlgn="b"/>
-                      <a:endParaRPr lang="de-CH" sz="1100" b="0" i="0" u="none" strike="noStrike">
-                        <a:solidFill>
-                          <a:srgbClr val="000000"/>
-                        </a:solidFill>
-                        <a:effectLst/>
-                        <a:latin typeface="Calibri"/>
-                      </a:endParaRPr>
-                    </a:p>
-                  </a:txBody>
-                  <a:tcPr marL="0" marR="0" marT="0" marB="0" anchor="b"/>
-                </a:tc>
-                <a:tc>
-                  <a:txBody>
-                    <a:bodyPr/>
-                    <a:lstStyle/>
-                    <a:p>
-                      <a:pPr algn="l" fontAlgn="b"/>
-                      <a:r>
-                        <a:rPr lang="de-CH" sz="1100" u="none" strike="noStrike">
-                          <a:effectLst/>
-                        </a:rPr>
-                        <a:t>Total</a:t>
-                      </a:r>
-                      <a:endParaRPr lang="de-CH" sz="1100" b="0" i="0" u="none" strike="noStrike">
-                        <a:solidFill>
-                          <a:srgbClr val="000000"/>
-                        </a:solidFill>
-                        <a:effectLst/>
-                        <a:latin typeface="Calibri"/>
-                      </a:endParaRPr>
-                    </a:p>
-                  </a:txBody>
-                  <a:tcPr marL="0" marR="0" marT="0" marB="0" anchor="b"/>
-                </a:tc>
-                <a:tc>
-                  <a:txBody>
-                    <a:bodyPr/>
-                    <a:lstStyle/>
-                    <a:p>
-                      <a:pPr algn="r" fontAlgn="b"/>
-                      <a:r>
-                        <a:rPr lang="de-CH" sz="1100" u="none" strike="noStrike">
-                          <a:effectLst/>
-                        </a:rPr>
-                        <a:t>120</a:t>
-                      </a:r>
-                      <a:endParaRPr lang="de-CH" sz="1100" b="0" i="0" u="none" strike="noStrike">
-                        <a:solidFill>
-                          <a:srgbClr val="000000"/>
-                        </a:solidFill>
-                        <a:effectLst/>
-                        <a:latin typeface="Calibri"/>
-                      </a:endParaRPr>
-                    </a:p>
-                  </a:txBody>
-                  <a:tcPr marL="0" marR="0" marT="0" marB="0" anchor="b"/>
-                </a:tc>
-                <a:tc>
-                  <a:txBody>
-                    <a:bodyPr/>
-                    <a:lstStyle/>
-                    <a:p>
-                      <a:pPr algn="l" fontAlgn="b"/>
-                      <a:endParaRPr lang="de-CH" sz="1100" b="0" i="0" u="none" strike="noStrike">
-                        <a:solidFill>
-                          <a:srgbClr val="000000"/>
-                        </a:solidFill>
-                        <a:effectLst/>
-                        <a:latin typeface="Calibri"/>
-                      </a:endParaRPr>
-                    </a:p>
-                  </a:txBody>
-                  <a:tcPr marL="0" marR="0" marT="0" marB="0" anchor="b"/>
-                </a:tc>
-                <a:tc>
-                  <a:txBody>
-                    <a:bodyPr/>
-                    <a:lstStyle/>
-                    <a:p>
-                      <a:pPr algn="l" fontAlgn="b"/>
-                      <a:endParaRPr lang="de-CH" sz="1100" b="0" i="0" u="none" strike="noStrike">
-                        <a:solidFill>
-                          <a:srgbClr val="000000"/>
-                        </a:solidFill>
-                        <a:effectLst/>
-                        <a:latin typeface="Calibri"/>
-                      </a:endParaRPr>
-                    </a:p>
-                  </a:txBody>
-                  <a:tcPr marL="0" marR="0" marT="0" marB="0" anchor="b"/>
-                </a:tc>
-                <a:tc>
-                  <a:txBody>
-                    <a:bodyPr/>
-                    <a:lstStyle/>
-                    <a:p>
-                      <a:pPr algn="l" fontAlgn="b"/>
-                      <a:endParaRPr lang="de-CH" sz="1100" b="0" i="0" u="none" strike="noStrike" dirty="0">
-                        <a:solidFill>
-                          <a:srgbClr val="000000"/>
-                        </a:solidFill>
-                        <a:effectLst/>
-                        <a:latin typeface="Calibri"/>
-                      </a:endParaRPr>
-                    </a:p>
-                  </a:txBody>
-                  <a:tcPr marL="0" marR="0" marT="0" marB="0" anchor="b"/>
-                </a:tc>
-              </a:tr>
-            </a:tbl>
-          </a:graphicData>
-        </a:graphic>
-      </p:graphicFrame>
-    </p:spTree>
-    <p:extLst>
-      <p:ext uri="{BB962C8B-B14F-4D97-AF65-F5344CB8AC3E}">
-        <p14:creationId xmlns:p14="http://schemas.microsoft.com/office/powerpoint/2010/main" val="631630683"/>
-      </p:ext>
-    </p:extLst>
-  </p:cSld>
-  <p:clrMapOvr>
-    <a:masterClrMapping/>
-  </p:clrMapOvr>
-  <p:timing>
-    <p:tnLst>
-      <p:par>
-        <p:cTn id="1" dur="indefinite" restart="never" nodeType="tmRoot"/>
-      </p:par>
-    </p:tnLst>
-  </p:timing>
-</p:sld>
-</file>
-
-<file path=ppt/slides/slide4.xml><?xml version="1.0" encoding="utf-8"?>
-<p:sld xmlns:a="http://schemas.openxmlformats.org/drawingml/2006/main" xmlns:r="http://schemas.openxmlformats.org/officeDocument/2006/relationships" xmlns:p="http://schemas.openxmlformats.org/presentationml/2006/main">
-  <p:cSld>
-    <p:spTree>
-      <p:nvGrpSpPr>
-        <p:cNvPr id="1" name=""/>
-        <p:cNvGrpSpPr/>
-        <p:nvPr/>
-      </p:nvGrpSpPr>
-      <p:grpSpPr>
-        <a:xfrm>
-          <a:off x="0" y="0"/>
-          <a:ext cx="0" cy="0"/>
-          <a:chOff x="0" y="0"/>
-          <a:chExt cx="0" cy="0"/>
-        </a:xfrm>
-      </p:grpSpPr>
-      <p:graphicFrame>
-        <p:nvGraphicFramePr>
-          <p:cNvPr id="4" name="Inhaltsplatzhalter 3"/>
-          <p:cNvGraphicFramePr>
-            <a:graphicFrameLocks noGrp="1"/>
-          </p:cNvGraphicFramePr>
-          <p:nvPr>
-            <p:ph idx="1"/>
-            <p:extLst>
-              <p:ext uri="{D42A27DB-BD31-4B8C-83A1-F6EECF244321}">
-                <p14:modId xmlns:p14="http://schemas.microsoft.com/office/powerpoint/2010/main" val="3605156616"/>
+                <p14:modId xmlns:p14="http://schemas.microsoft.com/office/powerpoint/2010/main" val="290880878"/>
               </p:ext>
             </p:extLst>
           </p:nvPr>
@@ -4586,7 +4483,7 @@
           <a:graphicData uri="http://schemas.openxmlformats.org/drawingml/2006/table">
             <a:tbl>
               <a:tblPr firstRow="1">
-                <a:tableStyleId>{5C22544A-7EE6-4342-B048-85BDC9FD1C3A}</a:tableStyleId>
+                <a:tableStyleId>{21E4AEA4-8DFA-4A89-87EB-49C32662AFE0}</a:tableStyleId>
               </a:tblPr>
               <a:tblGrid>
                 <a:gridCol w="296371"/>
@@ -5066,12 +4963,12 @@
                     <a:p>
                       <a:pPr algn="r" fontAlgn="b"/>
                       <a:r>
-                        <a:rPr lang="de-CH" sz="1000" u="none" strike="noStrike">
+                        <a:rPr lang="de-CH" sz="1000" u="none" strike="noStrike" dirty="0">
                           <a:effectLst/>
                         </a:rPr>
                         <a:t>1</a:t>
                       </a:r>
-                      <a:endParaRPr lang="de-CH" sz="1000" b="0" i="0" u="none" strike="noStrike">
+                      <a:endParaRPr lang="de-CH" sz="1000" b="0" i="0" u="none" strike="noStrike" dirty="0">
                         <a:solidFill>
                           <a:srgbClr val="000000"/>
                         </a:solidFill>
@@ -6547,12 +6444,12 @@
                     <a:p>
                       <a:pPr algn="l" fontAlgn="b"/>
                       <a:r>
-                        <a:rPr lang="en-US" sz="1000" u="none" strike="noStrike">
+                        <a:rPr lang="en-US" sz="1000" u="none" strike="noStrike" dirty="0">
                           <a:effectLst/>
                         </a:rPr>
                         <a:t>implementation with data from txt-File &amp; Testing</a:t>
                       </a:r>
-                      <a:endParaRPr lang="en-US" sz="1000" b="0" i="0" u="none" strike="noStrike">
+                      <a:endParaRPr lang="en-US" sz="1000" b="0" i="0" u="none" strike="noStrike" dirty="0">
                         <a:solidFill>
                           <a:srgbClr val="000000"/>
                         </a:solidFill>
@@ -6981,12 +6878,12 @@
           <a:lstStyle/>
           <a:p>
             <a:r>
-              <a:rPr lang="de-CH" sz="2800" dirty="0" err="1" smtClean="0"/>
-              <a:t>Scrum</a:t>
+              <a:rPr lang="de-CH" sz="2800" dirty="0" smtClean="0"/>
+              <a:t>Sprint </a:t>
             </a:r>
             <a:r>
-              <a:rPr lang="de-CH" sz="2800" dirty="0" smtClean="0"/>
-              <a:t> Version 1</a:t>
+              <a:rPr lang="de-CH" sz="2800" dirty="0" err="1" smtClean="0"/>
+              <a:t>Backlog</a:t>
             </a:r>
             <a:endParaRPr lang="de-CH" sz="2800" dirty="0"/>
           </a:p>
@@ -7002,6 +6899,13 @@
   <p:clrMapOvr>
     <a:masterClrMapping/>
   </p:clrMapOvr>
+  <p:timing>
+    <p:tnLst>
+      <p:par>
+        <p:cTn id="1" dur="indefinite" restart="never" nodeType="tmRoot"/>
+      </p:par>
+    </p:tnLst>
+  </p:timing>
 </p:sld>
 </file>
 
